--- a/Slides/Lesson 4.1 Lists.pptx
+++ b/Slides/Lesson 4.1 Lists.pptx
@@ -5088,7 +5088,7 @@
             <a:fld id="{CF8F25F6-E1EF-4065-8525-42EDEBD9BD22}" type="datetimeFigureOut">
               <a:rPr lang="en-US" smtClean="0"/>
               <a:pPr/>
-              <a:t>8/3/2017</a:t>
+              <a:t>8/4/2017</a:t>
             </a:fld>
             <a:endParaRPr lang="en-US"/>
           </a:p>
@@ -6241,7 +6241,7 @@
           <a:p>
             <a:fld id="{2F1F79F5-7BEC-496A-AFC7-876E38F64D71}" type="datetime1">
               <a:rPr lang="en-US" smtClean="0"/>
-              <a:t>8/3/2017</a:t>
+              <a:t>8/4/2017</a:t>
             </a:fld>
             <a:endParaRPr lang="en-US"/>
           </a:p>
@@ -6336,7 +6336,7 @@
           <a:p>
             <a:fld id="{0A05703A-7669-4FEA-9056-25299B4D29D4}" type="datetime1">
               <a:rPr lang="en-US" smtClean="0"/>
-              <a:t>8/3/2017</a:t>
+              <a:t>8/4/2017</a:t>
             </a:fld>
             <a:endParaRPr lang="en-US"/>
           </a:p>
@@ -6611,7 +6611,7 @@
           <a:p>
             <a:fld id="{6E5077B5-BB57-49DB-88CA-226A139E5C01}" type="datetime1">
               <a:rPr lang="en-US" smtClean="0"/>
-              <a:t>8/3/2017</a:t>
+              <a:t>8/4/2017</a:t>
             </a:fld>
             <a:endParaRPr lang="en-US"/>
           </a:p>
@@ -6863,7 +6863,7 @@
           <a:p>
             <a:fld id="{C48D9447-CBD6-49A1-89FD-8512A8CF8999}" type="datetime1">
               <a:rPr lang="en-US" smtClean="0"/>
-              <a:t>8/3/2017</a:t>
+              <a:t>8/4/2017</a:t>
             </a:fld>
             <a:endParaRPr lang="en-US"/>
           </a:p>
@@ -7031,7 +7031,7 @@
           <a:p>
             <a:fld id="{A3639A2A-823D-48B7-9ACE-7FAF42870BA9}" type="datetime1">
               <a:rPr lang="en-US" smtClean="0"/>
-              <a:t>8/3/2017</a:t>
+              <a:t>8/4/2017</a:t>
             </a:fld>
             <a:endParaRPr lang="en-US"/>
           </a:p>
@@ -7209,7 +7209,7 @@
           <a:p>
             <a:fld id="{ED1B6996-82E9-463C-972C-7B56056E426C}" type="datetime1">
               <a:rPr lang="en-US" smtClean="0"/>
-              <a:t>8/3/2017</a:t>
+              <a:t>8/4/2017</a:t>
             </a:fld>
             <a:endParaRPr lang="en-US"/>
           </a:p>
@@ -7383,7 +7383,7 @@
           <a:p>
             <a:fld id="{E22ED4DA-448D-4BB1-B935-CC112220207B}" type="datetime1">
               <a:rPr lang="en-US" smtClean="0"/>
-              <a:t>8/3/2017</a:t>
+              <a:t>8/4/2017</a:t>
             </a:fld>
             <a:endParaRPr lang="en-US"/>
           </a:p>
@@ -7556,7 +7556,7 @@
           <a:p>
             <a:fld id="{E22ED4DA-448D-4BB1-B935-CC112220207B}" type="datetime1">
               <a:rPr lang="en-US" smtClean="0"/>
-              <a:t>8/3/2017</a:t>
+              <a:t>8/4/2017</a:t>
             </a:fld>
             <a:endParaRPr lang="en-US"/>
           </a:p>
@@ -7816,7 +7816,7 @@
           <a:p>
             <a:fld id="{FF5D65A6-AB94-4435-B0B7-3743215FA46C}" type="datetime1">
               <a:rPr lang="en-US" smtClean="0"/>
-              <a:t>8/3/2017</a:t>
+              <a:t>8/4/2017</a:t>
             </a:fld>
             <a:endParaRPr lang="en-US"/>
           </a:p>
@@ -7992,7 +7992,7 @@
           <a:p>
             <a:fld id="{FF5D65A6-AB94-4435-B0B7-3743215FA46C}" type="datetime1">
               <a:rPr lang="en-US" smtClean="0"/>
-              <a:t>8/3/2017</a:t>
+              <a:t>8/4/2017</a:t>
             </a:fld>
             <a:endParaRPr lang="en-US"/>
           </a:p>
@@ -8286,7 +8286,7 @@
           <a:p>
             <a:fld id="{7C193DC4-6EF0-48C9-B29C-616106A645E1}" type="datetime1">
               <a:rPr lang="en-US" smtClean="0"/>
-              <a:t>8/3/2017</a:t>
+              <a:t>8/4/2017</a:t>
             </a:fld>
             <a:endParaRPr lang="en-US"/>
           </a:p>
@@ -8571,7 +8571,7 @@
           <a:p>
             <a:fld id="{5D1846AD-9252-4647-9435-4C2AC365653A}" type="datetime1">
               <a:rPr lang="en-US" smtClean="0"/>
-              <a:t>8/3/2017</a:t>
+              <a:t>8/4/2017</a:t>
             </a:fld>
             <a:endParaRPr lang="en-US"/>
           </a:p>
@@ -8990,7 +8990,7 @@
           <a:p>
             <a:fld id="{CE56DC10-3561-4063-A6AF-C1CC7A41040A}" type="datetime1">
               <a:rPr lang="en-US" smtClean="0"/>
-              <a:t>8/3/2017</a:t>
+              <a:t>8/4/2017</a:t>
             </a:fld>
             <a:endParaRPr lang="en-US"/>
           </a:p>
@@ -9107,7 +9107,7 @@
           <a:p>
             <a:fld id="{2F7B77F5-1464-4F6B-92A8-64FC8A508293}" type="datetime1">
               <a:rPr lang="en-US" smtClean="0"/>
-              <a:t>8/3/2017</a:t>
+              <a:t>8/4/2017</a:t>
             </a:fld>
             <a:endParaRPr lang="en-US"/>
           </a:p>
@@ -9330,7 +9330,7 @@
           <a:p>
             <a:fld id="{02B3F677-983B-48DB-ADFD-63FE6CBC7FB2}" type="datetime1">
               <a:rPr lang="en-US" smtClean="0"/>
-              <a:t>8/3/2017</a:t>
+              <a:t>8/4/2017</a:t>
             </a:fld>
             <a:endParaRPr lang="en-US"/>
           </a:p>
@@ -15085,7 +15085,7 @@
                 <a:latin typeface="Consolas" pitchFamily="49" charset="0"/>
                 <a:cs typeface="Consolas" pitchFamily="49" charset="0"/>
               </a:rPr>
-              <a:t>Given a list, returns true </a:t>
+              <a:t>Given a list of X's, returns true </a:t>
             </a:r>
             <a:r>
               <a:rPr lang="en-US" b="1" dirty="0" err="1">

--- a/Slides/Lesson 4.1 Lists.pptx
+++ b/Slides/Lesson 4.1 Lists.pptx
@@ -5088,7 +5088,7 @@
             <a:fld id="{CF8F25F6-E1EF-4065-8525-42EDEBD9BD22}" type="datetimeFigureOut">
               <a:rPr lang="en-US" smtClean="0"/>
               <a:pPr/>
-              <a:t>8/4/2017</a:t>
+              <a:t>8/6/2017</a:t>
             </a:fld>
             <a:endParaRPr lang="en-US"/>
           </a:p>
@@ -6241,7 +6241,7 @@
           <a:p>
             <a:fld id="{2F1F79F5-7BEC-496A-AFC7-876E38F64D71}" type="datetime1">
               <a:rPr lang="en-US" smtClean="0"/>
-              <a:t>8/4/2017</a:t>
+              <a:t>8/6/2017</a:t>
             </a:fld>
             <a:endParaRPr lang="en-US"/>
           </a:p>
@@ -6336,7 +6336,7 @@
           <a:p>
             <a:fld id="{0A05703A-7669-4FEA-9056-25299B4D29D4}" type="datetime1">
               <a:rPr lang="en-US" smtClean="0"/>
-              <a:t>8/4/2017</a:t>
+              <a:t>8/6/2017</a:t>
             </a:fld>
             <a:endParaRPr lang="en-US"/>
           </a:p>
@@ -6611,7 +6611,7 @@
           <a:p>
             <a:fld id="{6E5077B5-BB57-49DB-88CA-226A139E5C01}" type="datetime1">
               <a:rPr lang="en-US" smtClean="0"/>
-              <a:t>8/4/2017</a:t>
+              <a:t>8/6/2017</a:t>
             </a:fld>
             <a:endParaRPr lang="en-US"/>
           </a:p>
@@ -6863,7 +6863,7 @@
           <a:p>
             <a:fld id="{C48D9447-CBD6-49A1-89FD-8512A8CF8999}" type="datetime1">
               <a:rPr lang="en-US" smtClean="0"/>
-              <a:t>8/4/2017</a:t>
+              <a:t>8/6/2017</a:t>
             </a:fld>
             <a:endParaRPr lang="en-US"/>
           </a:p>
@@ -7031,7 +7031,7 @@
           <a:p>
             <a:fld id="{A3639A2A-823D-48B7-9ACE-7FAF42870BA9}" type="datetime1">
               <a:rPr lang="en-US" smtClean="0"/>
-              <a:t>8/4/2017</a:t>
+              <a:t>8/6/2017</a:t>
             </a:fld>
             <a:endParaRPr lang="en-US"/>
           </a:p>
@@ -7209,7 +7209,7 @@
           <a:p>
             <a:fld id="{ED1B6996-82E9-463C-972C-7B56056E426C}" type="datetime1">
               <a:rPr lang="en-US" smtClean="0"/>
-              <a:t>8/4/2017</a:t>
+              <a:t>8/6/2017</a:t>
             </a:fld>
             <a:endParaRPr lang="en-US"/>
           </a:p>
@@ -7383,7 +7383,7 @@
           <a:p>
             <a:fld id="{E22ED4DA-448D-4BB1-B935-CC112220207B}" type="datetime1">
               <a:rPr lang="en-US" smtClean="0"/>
-              <a:t>8/4/2017</a:t>
+              <a:t>8/6/2017</a:t>
             </a:fld>
             <a:endParaRPr lang="en-US"/>
           </a:p>
@@ -7556,7 +7556,7 @@
           <a:p>
             <a:fld id="{E22ED4DA-448D-4BB1-B935-CC112220207B}" type="datetime1">
               <a:rPr lang="en-US" smtClean="0"/>
-              <a:t>8/4/2017</a:t>
+              <a:t>8/6/2017</a:t>
             </a:fld>
             <a:endParaRPr lang="en-US"/>
           </a:p>
@@ -7816,7 +7816,7 @@
           <a:p>
             <a:fld id="{FF5D65A6-AB94-4435-B0B7-3743215FA46C}" type="datetime1">
               <a:rPr lang="en-US" smtClean="0"/>
-              <a:t>8/4/2017</a:t>
+              <a:t>8/6/2017</a:t>
             </a:fld>
             <a:endParaRPr lang="en-US"/>
           </a:p>
@@ -7992,7 +7992,7 @@
           <a:p>
             <a:fld id="{FF5D65A6-AB94-4435-B0B7-3743215FA46C}" type="datetime1">
               <a:rPr lang="en-US" smtClean="0"/>
-              <a:t>8/4/2017</a:t>
+              <a:t>8/6/2017</a:t>
             </a:fld>
             <a:endParaRPr lang="en-US"/>
           </a:p>
@@ -8286,7 +8286,7 @@
           <a:p>
             <a:fld id="{7C193DC4-6EF0-48C9-B29C-616106A645E1}" type="datetime1">
               <a:rPr lang="en-US" smtClean="0"/>
-              <a:t>8/4/2017</a:t>
+              <a:t>8/6/2017</a:t>
             </a:fld>
             <a:endParaRPr lang="en-US"/>
           </a:p>
@@ -8571,7 +8571,7 @@
           <a:p>
             <a:fld id="{5D1846AD-9252-4647-9435-4C2AC365653A}" type="datetime1">
               <a:rPr lang="en-US" smtClean="0"/>
-              <a:t>8/4/2017</a:t>
+              <a:t>8/6/2017</a:t>
             </a:fld>
             <a:endParaRPr lang="en-US"/>
           </a:p>
@@ -8990,7 +8990,7 @@
           <a:p>
             <a:fld id="{CE56DC10-3561-4063-A6AF-C1CC7A41040A}" type="datetime1">
               <a:rPr lang="en-US" smtClean="0"/>
-              <a:t>8/4/2017</a:t>
+              <a:t>8/6/2017</a:t>
             </a:fld>
             <a:endParaRPr lang="en-US"/>
           </a:p>
@@ -9107,7 +9107,7 @@
           <a:p>
             <a:fld id="{2F7B77F5-1464-4F6B-92A8-64FC8A508293}" type="datetime1">
               <a:rPr lang="en-US" smtClean="0"/>
-              <a:t>8/4/2017</a:t>
+              <a:t>8/6/2017</a:t>
             </a:fld>
             <a:endParaRPr lang="en-US"/>
           </a:p>
@@ -9330,7 +9330,7 @@
           <a:p>
             <a:fld id="{02B3F677-983B-48DB-ADFD-63FE6CBC7FB2}" type="datetime1">
               <a:rPr lang="en-US" smtClean="0"/>
-              <a:t>8/4/2017</a:t>
+              <a:t>8/6/2017</a:t>
             </a:fld>
             <a:endParaRPr lang="en-US"/>
           </a:p>
@@ -9726,7 +9726,7 @@
           <a:p>
             <a:r>
               <a:rPr lang="en-US" dirty="0"/>
-              <a:t>Module 4: Lists</a:t>
+              <a:t>Lists</a:t>
             </a:r>
           </a:p>
         </p:txBody>
@@ -9762,7 +9762,7 @@
           <a:p>
             <a:r>
               <a:rPr lang="en-US" dirty="0"/>
-              <a:t>Combined Module 4 Lessons</a:t>
+              <a:t>Lesson 4.1</a:t>
             </a:r>
           </a:p>
           <a:p>

--- a/Slides/Lesson 4.1 Lists.pptx
+++ b/Slides/Lesson 4.1 Lists.pptx
@@ -5088,7 +5088,7 @@
             <a:fld id="{CF8F25F6-E1EF-4065-8525-42EDEBD9BD22}" type="datetimeFigureOut">
               <a:rPr lang="en-US" smtClean="0"/>
               <a:pPr/>
-              <a:t>8/6/2017</a:t>
+              <a:t>8/11/2017</a:t>
             </a:fld>
             <a:endParaRPr lang="en-US"/>
           </a:p>
@@ -6241,7 +6241,7 @@
           <a:p>
             <a:fld id="{2F1F79F5-7BEC-496A-AFC7-876E38F64D71}" type="datetime1">
               <a:rPr lang="en-US" smtClean="0"/>
-              <a:t>8/6/2017</a:t>
+              <a:t>8/11/2017</a:t>
             </a:fld>
             <a:endParaRPr lang="en-US"/>
           </a:p>
@@ -6336,7 +6336,7 @@
           <a:p>
             <a:fld id="{0A05703A-7669-4FEA-9056-25299B4D29D4}" type="datetime1">
               <a:rPr lang="en-US" smtClean="0"/>
-              <a:t>8/6/2017</a:t>
+              <a:t>8/11/2017</a:t>
             </a:fld>
             <a:endParaRPr lang="en-US"/>
           </a:p>
@@ -6611,7 +6611,7 @@
           <a:p>
             <a:fld id="{6E5077B5-BB57-49DB-88CA-226A139E5C01}" type="datetime1">
               <a:rPr lang="en-US" smtClean="0"/>
-              <a:t>8/6/2017</a:t>
+              <a:t>8/11/2017</a:t>
             </a:fld>
             <a:endParaRPr lang="en-US"/>
           </a:p>
@@ -6863,7 +6863,7 @@
           <a:p>
             <a:fld id="{C48D9447-CBD6-49A1-89FD-8512A8CF8999}" type="datetime1">
               <a:rPr lang="en-US" smtClean="0"/>
-              <a:t>8/6/2017</a:t>
+              <a:t>8/11/2017</a:t>
             </a:fld>
             <a:endParaRPr lang="en-US"/>
           </a:p>
@@ -7031,7 +7031,7 @@
           <a:p>
             <a:fld id="{A3639A2A-823D-48B7-9ACE-7FAF42870BA9}" type="datetime1">
               <a:rPr lang="en-US" smtClean="0"/>
-              <a:t>8/6/2017</a:t>
+              <a:t>8/11/2017</a:t>
             </a:fld>
             <a:endParaRPr lang="en-US"/>
           </a:p>
@@ -7209,7 +7209,7 @@
           <a:p>
             <a:fld id="{ED1B6996-82E9-463C-972C-7B56056E426C}" type="datetime1">
               <a:rPr lang="en-US" smtClean="0"/>
-              <a:t>8/6/2017</a:t>
+              <a:t>8/11/2017</a:t>
             </a:fld>
             <a:endParaRPr lang="en-US"/>
           </a:p>
@@ -7383,7 +7383,7 @@
           <a:p>
             <a:fld id="{E22ED4DA-448D-4BB1-B935-CC112220207B}" type="datetime1">
               <a:rPr lang="en-US" smtClean="0"/>
-              <a:t>8/6/2017</a:t>
+              <a:t>8/11/2017</a:t>
             </a:fld>
             <a:endParaRPr lang="en-US"/>
           </a:p>
@@ -7556,7 +7556,7 @@
           <a:p>
             <a:fld id="{E22ED4DA-448D-4BB1-B935-CC112220207B}" type="datetime1">
               <a:rPr lang="en-US" smtClean="0"/>
-              <a:t>8/6/2017</a:t>
+              <a:t>8/11/2017</a:t>
             </a:fld>
             <a:endParaRPr lang="en-US"/>
           </a:p>
@@ -7816,7 +7816,7 @@
           <a:p>
             <a:fld id="{FF5D65A6-AB94-4435-B0B7-3743215FA46C}" type="datetime1">
               <a:rPr lang="en-US" smtClean="0"/>
-              <a:t>8/6/2017</a:t>
+              <a:t>8/11/2017</a:t>
             </a:fld>
             <a:endParaRPr lang="en-US"/>
           </a:p>
@@ -7992,7 +7992,7 @@
           <a:p>
             <a:fld id="{FF5D65A6-AB94-4435-B0B7-3743215FA46C}" type="datetime1">
               <a:rPr lang="en-US" smtClean="0"/>
-              <a:t>8/6/2017</a:t>
+              <a:t>8/11/2017</a:t>
             </a:fld>
             <a:endParaRPr lang="en-US"/>
           </a:p>
@@ -8286,7 +8286,7 @@
           <a:p>
             <a:fld id="{7C193DC4-6EF0-48C9-B29C-616106A645E1}" type="datetime1">
               <a:rPr lang="en-US" smtClean="0"/>
-              <a:t>8/6/2017</a:t>
+              <a:t>8/11/2017</a:t>
             </a:fld>
             <a:endParaRPr lang="en-US"/>
           </a:p>
@@ -8571,7 +8571,7 @@
           <a:p>
             <a:fld id="{5D1846AD-9252-4647-9435-4C2AC365653A}" type="datetime1">
               <a:rPr lang="en-US" smtClean="0"/>
-              <a:t>8/6/2017</a:t>
+              <a:t>8/11/2017</a:t>
             </a:fld>
             <a:endParaRPr lang="en-US"/>
           </a:p>
@@ -8990,7 +8990,7 @@
           <a:p>
             <a:fld id="{CE56DC10-3561-4063-A6AF-C1CC7A41040A}" type="datetime1">
               <a:rPr lang="en-US" smtClean="0"/>
-              <a:t>8/6/2017</a:t>
+              <a:t>8/11/2017</a:t>
             </a:fld>
             <a:endParaRPr lang="en-US"/>
           </a:p>
@@ -9107,7 +9107,7 @@
           <a:p>
             <a:fld id="{2F7B77F5-1464-4F6B-92A8-64FC8A508293}" type="datetime1">
               <a:rPr lang="en-US" smtClean="0"/>
-              <a:t>8/6/2017</a:t>
+              <a:t>8/11/2017</a:t>
             </a:fld>
             <a:endParaRPr lang="en-US"/>
           </a:p>
@@ -9330,7 +9330,7 @@
           <a:p>
             <a:fld id="{02B3F677-983B-48DB-ADFD-63FE6CBC7FB2}" type="datetime1">
               <a:rPr lang="en-US" smtClean="0"/>
-              <a:t>8/6/2017</a:t>
+              <a:t>8/11/2017</a:t>
             </a:fld>
             <a:endParaRPr lang="en-US"/>
           </a:p>
@@ -9993,6 +9993,61 @@
       </p:grpSpPr>
       <p:sp>
         <p:nvSpPr>
+          <p:cNvPr id="7" name="Rectangle 6"/>
+          <p:cNvSpPr/>
+          <p:nvPr/>
+        </p:nvSpPr>
+        <p:spPr>
+          <a:xfrm>
+            <a:off x="735496" y="3826565"/>
+            <a:ext cx="7792278" cy="1629672"/>
+          </a:xfrm>
+          <a:prstGeom prst="rect">
+            <a:avLst/>
+          </a:prstGeom>
+          <a:solidFill>
+            <a:schemeClr val="bg1">
+              <a:lumMod val="85000"/>
+            </a:schemeClr>
+          </a:solidFill>
+          <a:ln>
+            <a:noFill/>
+          </a:ln>
+        </p:spPr>
+        <p:style>
+          <a:lnRef idx="2">
+            <a:schemeClr val="accent1"/>
+          </a:lnRef>
+          <a:fillRef idx="1">
+            <a:schemeClr val="lt1"/>
+          </a:fillRef>
+          <a:effectRef idx="0">
+            <a:schemeClr val="accent1"/>
+          </a:effectRef>
+          <a:fontRef idx="minor">
+            <a:schemeClr val="dk1"/>
+          </a:fontRef>
+        </p:style>
+        <p:txBody>
+          <a:bodyPr rot="0" spcFirstLastPara="0" vertOverflow="overflow" horzOverflow="overflow" vert="horz" wrap="square" lIns="91440" tIns="45720" rIns="91440" bIns="45720" numCol="1" spcCol="0" rtlCol="0" fromWordArt="0" anchor="ctr" anchorCtr="0" forceAA="0" compatLnSpc="1">
+            <a:prstTxWarp prst="textNoShape">
+              <a:avLst/>
+            </a:prstTxWarp>
+            <a:noAutofit/>
+          </a:bodyPr>
+          <a:lstStyle/>
+          <a:p>
+            <a:pPr algn="ctr"/>
+            <a:endParaRPr lang="en-US" dirty="0">
+              <a:solidFill>
+                <a:schemeClr val="tx1"/>
+              </a:solidFill>
+            </a:endParaRPr>
+          </a:p>
+        </p:txBody>
+      </p:sp>
+      <p:sp>
+        <p:nvSpPr>
           <p:cNvPr id="2" name="Title 1"/>
           <p:cNvSpPr>
             <a:spLocks noGrp="1"/>
@@ -10122,7 +10177,7 @@
                 <a:latin typeface="Consolas" pitchFamily="49" charset="0"/>
                 <a:cs typeface="Consolas" pitchFamily="49" charset="0"/>
               </a:rPr>
-              <a:t>    (cons (cons "3" empty)  </a:t>
+              <a:t>  (cons (cons "3" empty)  </a:t>
             </a:r>
           </a:p>
           <a:p>
@@ -10134,7 +10189,7 @@
                 <a:latin typeface="Consolas" pitchFamily="49" charset="0"/>
                 <a:cs typeface="Consolas" pitchFamily="49" charset="0"/>
               </a:rPr>
-              <a:t>          (cons "2" (cons "3" empty)))</a:t>
+              <a:t>        (cons "2" (cons "3" empty)))</a:t>
             </a:r>
           </a:p>
         </p:txBody>

--- a/Slides/Lesson 4.1 Lists.pptx
+++ b/Slides/Lesson 4.1 Lists.pptx
@@ -9,7 +9,7 @@
   </p:notesMasterIdLst>
   <p:sldIdLst>
     <p:sldId id="257" r:id="rId2"/>
-    <p:sldId id="496" r:id="rId3"/>
+    <p:sldId id="498" r:id="rId3"/>
     <p:sldId id="497" r:id="rId4"/>
     <p:sldId id="289" r:id="rId5"/>
     <p:sldId id="269" r:id="rId6"/>
@@ -142,7 +142,7 @@
         <p14:section name="Lesson 4.1 Intro" id="{4F3DE866-4E0D-4EA2-9A9E-AB7126868BBD}">
           <p14:sldIdLst>
             <p14:sldId id="257"/>
-            <p14:sldId id="496"/>
+            <p14:sldId id="498"/>
             <p14:sldId id="497"/>
             <p14:sldId id="289"/>
             <p14:sldId id="269"/>
@@ -1085,10 +1085,10 @@
         <a:effectLst/>
       </dgm:spPr>
       <dgm:t>
-        <a:bodyPr spcFirstLastPara="0" vert="horz" wrap="square" lIns="28575" tIns="19050" rIns="28575" bIns="19050" numCol="1" spcCol="1270" anchor="ctr" anchorCtr="0"/>
+        <a:bodyPr spcFirstLastPara="0" vert="horz" wrap="square" lIns="19050" tIns="12700" rIns="19050" bIns="12700" numCol="1" spcCol="1270" anchor="ctr" anchorCtr="0"/>
         <a:lstStyle/>
         <a:p>
-          <a:pPr marL="0" lvl="0" indent="0" algn="ctr" defTabSz="666750">
+          <a:pPr marL="0" lvl="0" indent="0" algn="ctr" defTabSz="444500">
             <a:lnSpc>
               <a:spcPct val="90000"/>
             </a:lnSpc>
@@ -1101,7 +1101,7 @@
             <a:buNone/>
           </a:pPr>
           <a:r>
-            <a:rPr lang="en-US" sz="1500" kern="1200" dirty="0">
+            <a:rPr lang="en-US" sz="1000" kern="1200" dirty="0">
               <a:solidFill>
                 <a:prstClr val="black">
                   <a:hueOff val="0"/>
@@ -1167,23 +1167,11 @@
         <a:effectLst/>
       </dgm:spPr>
       <dgm:t>
-        <a:bodyPr spcFirstLastPara="0" vert="horz" wrap="square" lIns="28575" tIns="19050" rIns="28575" bIns="19050" numCol="1" spcCol="1270" anchor="ctr" anchorCtr="0"/>
+        <a:bodyPr spcFirstLastPara="0" vert="horz" wrap="square" lIns="19050" tIns="12700" rIns="19050" bIns="12700" numCol="1" spcCol="1270" anchor="ctr" anchorCtr="0"/>
         <a:lstStyle/>
         <a:p>
-          <a:pPr marL="0" lvl="0" indent="0" algn="ctr" defTabSz="666750">
-            <a:lnSpc>
-              <a:spcPct val="90000"/>
-            </a:lnSpc>
-            <a:spcBef>
-              <a:spcPct val="0"/>
-            </a:spcBef>
-            <a:spcAft>
-              <a:spcPct val="35000"/>
-            </a:spcAft>
-            <a:buNone/>
-          </a:pPr>
           <a:r>
-            <a:rPr lang="en-US" sz="1500" kern="1200" dirty="0">
+            <a:rPr lang="en-US" sz="1000" kern="1200" dirty="0">
               <a:solidFill>
                 <a:prstClr val="black">
                   <a:hueOff val="0"/>
@@ -1196,7 +1184,27 @@
               <a:ea typeface="+mn-ea"/>
               <a:cs typeface="+mn-cs"/>
             </a:rPr>
-            <a:t>Designing Systems</a:t>
+            <a:t>Designing</a:t>
+          </a:r>
+          <a:r>
+            <a:rPr lang="en-US" sz="1000" kern="1200" dirty="0"/>
+            <a:t> </a:t>
+          </a:r>
+          <a:r>
+            <a:rPr lang="en-US" sz="1000" kern="1200" dirty="0">
+              <a:solidFill>
+                <a:prstClr val="black">
+                  <a:hueOff val="0"/>
+                  <a:satOff val="0"/>
+                  <a:lumOff val="0"/>
+                  <a:alphaOff val="0"/>
+                </a:prstClr>
+              </a:solidFill>
+              <a:latin typeface="Calibri"/>
+              <a:ea typeface="+mn-ea"/>
+              <a:cs typeface="+mn-cs"/>
+            </a:rPr>
+            <a:t>Systems</a:t>
           </a:r>
         </a:p>
       </dgm:t>
@@ -1228,7 +1236,9 @@
       <dgm:spPr>
         <a:solidFill>
           <a:srgbClr val="C0504D">
-            <a:alpha val="50000"/>
+            <a:lumMod val="60000"/>
+            <a:lumOff val="40000"/>
+            <a:alpha val="90000"/>
           </a:srgbClr>
         </a:solidFill>
         <a:ln w="25400" cap="flat" cmpd="sng" algn="ctr">
@@ -1238,10 +1248,10 @@
         <a:effectLst/>
       </dgm:spPr>
       <dgm:t>
-        <a:bodyPr spcFirstLastPara="0" vert="horz" wrap="square" lIns="28575" tIns="19050" rIns="28575" bIns="19050" numCol="1" spcCol="1270" anchor="ctr" anchorCtr="0"/>
+        <a:bodyPr spcFirstLastPara="0" vert="horz" wrap="square" lIns="19050" tIns="12700" rIns="19050" bIns="12700" numCol="1" spcCol="1270" anchor="ctr" anchorCtr="0"/>
         <a:lstStyle/>
         <a:p>
-          <a:pPr marL="0" lvl="0" indent="0" algn="ctr" defTabSz="666750">
+          <a:pPr marL="0" lvl="0" indent="0" algn="ctr" defTabSz="444500">
             <a:lnSpc>
               <a:spcPct val="90000"/>
             </a:lnSpc>
@@ -1254,7 +1264,7 @@
             <a:buNone/>
           </a:pPr>
           <a:r>
-            <a:rPr lang="en-US" sz="1500" kern="1200" dirty="0">
+            <a:rPr lang="en-US" sz="1000" kern="1200" dirty="0">
               <a:solidFill>
                 <a:prstClr val="black">
                   <a:hueOff val="0"/>
@@ -1582,6 +1592,42 @@
         </a:p>
       </dgm:t>
     </dgm:pt>
+    <dgm:pt modelId="{21C8EE31-AEBF-47B2-ADDE-34FDFA6BF6DC}">
+      <dgm:prSet phldrT="[Text]"/>
+      <dgm:spPr/>
+      <dgm:t>
+        <a:bodyPr/>
+        <a:lstStyle/>
+        <a:p>
+          <a:r>
+            <a:rPr lang="en-US" dirty="0"/>
+            <a:t>Computing with Higher-Order Functions</a:t>
+          </a:r>
+        </a:p>
+      </dgm:t>
+    </dgm:pt>
+    <dgm:pt modelId="{08DF2FDD-3A60-4E03-8D9E-10C265EC9121}" type="parTrans" cxnId="{62C2F0F4-284D-4D02-8F32-BB76663AFA1F}">
+      <dgm:prSet/>
+      <dgm:spPr/>
+      <dgm:t>
+        <a:bodyPr/>
+        <a:lstStyle/>
+        <a:p>
+          <a:endParaRPr lang="en-US"/>
+        </a:p>
+      </dgm:t>
+    </dgm:pt>
+    <dgm:pt modelId="{FFC06923-B3D1-4430-8195-28C90DC2D93A}" type="sibTrans" cxnId="{62C2F0F4-284D-4D02-8F32-BB76663AFA1F}">
+      <dgm:prSet/>
+      <dgm:spPr/>
+      <dgm:t>
+        <a:bodyPr/>
+        <a:lstStyle/>
+        <a:p>
+          <a:endParaRPr lang="en-US"/>
+        </a:p>
+      </dgm:t>
+    </dgm:pt>
     <dgm:pt modelId="{5EAC0F1C-8135-499C-A050-8951C4D4D68B}" type="pres">
       <dgm:prSet presAssocID="{D4ADF4FB-6626-4BAA-8170-1AB86830E7EB}" presName="diagram" presStyleCnt="0">
         <dgm:presLayoutVars>
@@ -1615,11 +1661,11 @@
       <dgm:spPr/>
     </dgm:pt>
     <dgm:pt modelId="{360B229B-0F55-45E5-A55A-DDDBDBD1C921}" type="pres">
-      <dgm:prSet presAssocID="{9E647244-45B2-496C-B687-01576FEABEC4}" presName="Name13" presStyleLbl="parChTrans1D2" presStyleIdx="0" presStyleCnt="11"/>
+      <dgm:prSet presAssocID="{9E647244-45B2-496C-B687-01576FEABEC4}" presName="Name13" presStyleLbl="parChTrans1D2" presStyleIdx="0" presStyleCnt="12"/>
       <dgm:spPr/>
     </dgm:pt>
     <dgm:pt modelId="{7E3D7089-292B-46E8-B4F0-ADC3733C52BD}" type="pres">
-      <dgm:prSet presAssocID="{DDB8B436-9528-434E-BD0F-6EB4D2ACB929}" presName="childText" presStyleLbl="bgAcc1" presStyleIdx="0" presStyleCnt="11">
+      <dgm:prSet presAssocID="{DDB8B436-9528-434E-BD0F-6EB4D2ACB929}" presName="childText" presStyleLbl="bgAcc1" presStyleIdx="0" presStyleCnt="12" custLinFactNeighborX="1979" custLinFactNeighborY="-4221">
         <dgm:presLayoutVars>
           <dgm:bulletEnabled val="1"/>
         </dgm:presLayoutVars>
@@ -1627,19 +1673,19 @@
       <dgm:spPr/>
     </dgm:pt>
     <dgm:pt modelId="{BC1B1EA4-129C-44F6-935B-BA646A7A2AA3}" type="pres">
-      <dgm:prSet presAssocID="{03056A9D-BCBF-4181-B8D6-7E4ECCBD4D9E}" presName="Name13" presStyleLbl="parChTrans1D2" presStyleIdx="1" presStyleCnt="11"/>
+      <dgm:prSet presAssocID="{03056A9D-BCBF-4181-B8D6-7E4ECCBD4D9E}" presName="Name13" presStyleLbl="parChTrans1D2" presStyleIdx="1" presStyleCnt="12"/>
       <dgm:spPr/>
     </dgm:pt>
     <dgm:pt modelId="{CF0B1CD2-0FC3-49A4-A520-B01A6C3CCB95}" type="pres">
-      <dgm:prSet presAssocID="{F221EA58-7488-4550-B7A5-965344CA7EAE}" presName="childText" presStyleLbl="bgAcc1" presStyleIdx="1" presStyleCnt="11">
+      <dgm:prSet presAssocID="{F221EA58-7488-4550-B7A5-965344CA7EAE}" presName="childText" presStyleLbl="bgAcc1" presStyleIdx="1" presStyleCnt="12">
         <dgm:presLayoutVars>
           <dgm:bulletEnabled val="1"/>
         </dgm:presLayoutVars>
       </dgm:prSet>
       <dgm:spPr>
         <a:xfrm>
-          <a:off x="817289" y="1799208"/>
-          <a:ext cx="1151334" cy="719583"/>
+          <a:off x="1156394" y="1525860"/>
+          <a:ext cx="976312" cy="610195"/>
         </a:xfrm>
         <a:prstGeom prst="roundRect">
           <a:avLst>
@@ -1649,19 +1695,19 @@
       </dgm:spPr>
     </dgm:pt>
     <dgm:pt modelId="{F5AE7053-0C33-481C-8BFB-D2DAFB4C4294}" type="pres">
-      <dgm:prSet presAssocID="{08AACE21-5FAD-4460-B120-67387C8F0F32}" presName="Name13" presStyleLbl="parChTrans1D2" presStyleIdx="2" presStyleCnt="11"/>
+      <dgm:prSet presAssocID="{08AACE21-5FAD-4460-B120-67387C8F0F32}" presName="Name13" presStyleLbl="parChTrans1D2" presStyleIdx="2" presStyleCnt="12"/>
       <dgm:spPr/>
     </dgm:pt>
     <dgm:pt modelId="{C5878689-67F2-4E3D-8C9B-392F50C32024}" type="pres">
-      <dgm:prSet presAssocID="{B1CEE35E-20B6-4A0B-B1E8-D4F40E3162E1}" presName="childText" presStyleLbl="bgAcc1" presStyleIdx="2" presStyleCnt="11">
+      <dgm:prSet presAssocID="{B1CEE35E-20B6-4A0B-B1E8-D4F40E3162E1}" presName="childText" presStyleLbl="bgAcc1" presStyleIdx="2" presStyleCnt="12">
         <dgm:presLayoutVars>
           <dgm:bulletEnabled val="1"/>
         </dgm:presLayoutVars>
       </dgm:prSet>
       <dgm:spPr>
         <a:xfrm>
-          <a:off x="817289" y="2698687"/>
-          <a:ext cx="1151334" cy="719583"/>
+          <a:off x="1156394" y="2288604"/>
+          <a:ext cx="976312" cy="610195"/>
         </a:xfrm>
         <a:prstGeom prst="roundRect">
           <a:avLst>
@@ -1691,19 +1737,19 @@
       <dgm:spPr/>
     </dgm:pt>
     <dgm:pt modelId="{2564A6E5-875B-4BC6-B983-AA12C064A019}" type="pres">
-      <dgm:prSet presAssocID="{1EC30C20-D36E-4265-85EE-C210CE02F892}" presName="Name13" presStyleLbl="parChTrans1D2" presStyleIdx="3" presStyleCnt="11"/>
+      <dgm:prSet presAssocID="{1EC30C20-D36E-4265-85EE-C210CE02F892}" presName="Name13" presStyleLbl="parChTrans1D2" presStyleIdx="3" presStyleCnt="12"/>
       <dgm:spPr/>
     </dgm:pt>
     <dgm:pt modelId="{3B0CF9DF-CC55-47FF-BECE-903E70F9D2DE}" type="pres">
-      <dgm:prSet presAssocID="{1CBBDDB5-026A-42BF-8805-ACAC57AA5DC3}" presName="childText" presStyleLbl="bgAcc1" presStyleIdx="3" presStyleCnt="11">
+      <dgm:prSet presAssocID="{1CBBDDB5-026A-42BF-8805-ACAC57AA5DC3}" presName="childText" presStyleLbl="bgAcc1" presStyleIdx="3" presStyleCnt="12">
         <dgm:presLayoutVars>
           <dgm:bulletEnabled val="1"/>
         </dgm:presLayoutVars>
       </dgm:prSet>
       <dgm:spPr>
         <a:xfrm>
-          <a:off x="2616249" y="899728"/>
-          <a:ext cx="1151334" cy="719583"/>
+          <a:off x="2681882" y="763116"/>
+          <a:ext cx="976312" cy="610195"/>
         </a:xfrm>
         <a:prstGeom prst="roundRect">
           <a:avLst>
@@ -1713,11 +1759,23 @@
       </dgm:spPr>
     </dgm:pt>
     <dgm:pt modelId="{7DFA9A08-1F84-4CF2-9E63-7F6E7C219F76}" type="pres">
-      <dgm:prSet presAssocID="{D39C6496-6307-4FC4-9D55-DB6DA94D051F}" presName="Name13" presStyleLbl="parChTrans1D2" presStyleIdx="4" presStyleCnt="11"/>
+      <dgm:prSet presAssocID="{D39C6496-6307-4FC4-9D55-DB6DA94D051F}" presName="Name13" presStyleLbl="parChTrans1D2" presStyleIdx="4" presStyleCnt="12"/>
       <dgm:spPr/>
     </dgm:pt>
     <dgm:pt modelId="{9C3E65C4-9266-43CB-B08F-79811ABF047A}" type="pres">
-      <dgm:prSet presAssocID="{A7945ECA-2D01-4C03-9AED-9E3EEAAF0F2C}" presName="childText" presStyleLbl="bgAcc1" presStyleIdx="4" presStyleCnt="11">
+      <dgm:prSet presAssocID="{A7945ECA-2D01-4C03-9AED-9E3EEAAF0F2C}" presName="childText" presStyleLbl="bgAcc1" presStyleIdx="4" presStyleCnt="12">
+        <dgm:presLayoutVars>
+          <dgm:bulletEnabled val="1"/>
+        </dgm:presLayoutVars>
+      </dgm:prSet>
+      <dgm:spPr/>
+    </dgm:pt>
+    <dgm:pt modelId="{35FE4D4C-3CA0-4CCA-8F9D-1668C574961B}" type="pres">
+      <dgm:prSet presAssocID="{08DF2FDD-3A60-4E03-8D9E-10C265EC9121}" presName="Name13" presStyleLbl="parChTrans1D2" presStyleIdx="5" presStyleCnt="12"/>
+      <dgm:spPr/>
+    </dgm:pt>
+    <dgm:pt modelId="{375B2884-C079-4ABC-AF46-CC7B31EF2123}" type="pres">
+      <dgm:prSet presAssocID="{21C8EE31-AEBF-47B2-ADDE-34FDFA6BF6DC}" presName="childText" presStyleLbl="bgAcc1" presStyleIdx="5" presStyleCnt="12">
         <dgm:presLayoutVars>
           <dgm:bulletEnabled val="1"/>
         </dgm:presLayoutVars>
@@ -1725,11 +1783,11 @@
       <dgm:spPr/>
     </dgm:pt>
     <dgm:pt modelId="{16CFAB30-3E6A-44D7-A45D-E3066E142053}" type="pres">
-      <dgm:prSet presAssocID="{FD74BA91-6D78-44B3-BF01-4D49723F4718}" presName="Name13" presStyleLbl="parChTrans1D2" presStyleIdx="5" presStyleCnt="11"/>
+      <dgm:prSet presAssocID="{FD74BA91-6D78-44B3-BF01-4D49723F4718}" presName="Name13" presStyleLbl="parChTrans1D2" presStyleIdx="6" presStyleCnt="12"/>
       <dgm:spPr/>
     </dgm:pt>
     <dgm:pt modelId="{5F9726AA-E8AD-4C5C-A0CA-2350C4F8CAFA}" type="pres">
-      <dgm:prSet presAssocID="{B0B0FACC-C24A-4552-82AB-C8FE8246DEF8}" presName="childText" presStyleLbl="bgAcc1" presStyleIdx="5" presStyleCnt="11">
+      <dgm:prSet presAssocID="{B0B0FACC-C24A-4552-82AB-C8FE8246DEF8}" presName="childText" presStyleLbl="bgAcc1" presStyleIdx="6" presStyleCnt="12">
         <dgm:presLayoutVars>
           <dgm:bulletEnabled val="1"/>
         </dgm:presLayoutVars>
@@ -1737,11 +1795,11 @@
       <dgm:spPr/>
     </dgm:pt>
     <dgm:pt modelId="{0ECF28DA-9925-4B5B-97B1-BDA459502114}" type="pres">
-      <dgm:prSet presAssocID="{FA010E1E-46BF-40DE-B386-14C19C329E38}" presName="Name13" presStyleLbl="parChTrans1D2" presStyleIdx="6" presStyleCnt="11"/>
+      <dgm:prSet presAssocID="{FA010E1E-46BF-40DE-B386-14C19C329E38}" presName="Name13" presStyleLbl="parChTrans1D2" presStyleIdx="7" presStyleCnt="12"/>
       <dgm:spPr/>
     </dgm:pt>
     <dgm:pt modelId="{5A2BB121-DDEE-46A8-AC09-18496F773E62}" type="pres">
-      <dgm:prSet presAssocID="{3C02419B-DA6A-4FDB-972F-4F8DC3AD08E3}" presName="childText" presStyleLbl="bgAcc1" presStyleIdx="6" presStyleCnt="11">
+      <dgm:prSet presAssocID="{3C02419B-DA6A-4FDB-972F-4F8DC3AD08E3}" presName="childText" presStyleLbl="bgAcc1" presStyleIdx="7" presStyleCnt="12" custScaleY="115691">
         <dgm:presLayoutVars>
           <dgm:bulletEnabled val="1"/>
         </dgm:presLayoutVars>
@@ -1769,11 +1827,11 @@
       <dgm:spPr/>
     </dgm:pt>
     <dgm:pt modelId="{278D3975-9588-4A95-85BD-D062BB0AE1A4}" type="pres">
-      <dgm:prSet presAssocID="{109F41A6-1D40-4F81-903A-8B0CB1E442DB}" presName="Name13" presStyleLbl="parChTrans1D2" presStyleIdx="7" presStyleCnt="11"/>
+      <dgm:prSet presAssocID="{109F41A6-1D40-4F81-903A-8B0CB1E442DB}" presName="Name13" presStyleLbl="parChTrans1D2" presStyleIdx="8" presStyleCnt="12"/>
       <dgm:spPr/>
     </dgm:pt>
     <dgm:pt modelId="{EDB6085A-8F2B-4B84-887D-9DD4BEC6E4E1}" type="pres">
-      <dgm:prSet presAssocID="{C217CF6C-69F6-4F1F-BFEF-F03F51825445}" presName="childText" presStyleLbl="bgAcc1" presStyleIdx="7" presStyleCnt="11">
+      <dgm:prSet presAssocID="{C217CF6C-69F6-4F1F-BFEF-F03F51825445}" presName="childText" presStyleLbl="bgAcc1" presStyleIdx="8" presStyleCnt="12">
         <dgm:presLayoutVars>
           <dgm:bulletEnabled val="1"/>
         </dgm:presLayoutVars>
@@ -1781,11 +1839,11 @@
       <dgm:spPr/>
     </dgm:pt>
     <dgm:pt modelId="{FF100697-267A-4BC5-8DA9-B1F7321DFE84}" type="pres">
-      <dgm:prSet presAssocID="{4B64BF35-F3DD-46FA-A74B-C8F1391BB234}" presName="Name13" presStyleLbl="parChTrans1D2" presStyleIdx="8" presStyleCnt="11"/>
+      <dgm:prSet presAssocID="{4B64BF35-F3DD-46FA-A74B-C8F1391BB234}" presName="Name13" presStyleLbl="parChTrans1D2" presStyleIdx="9" presStyleCnt="12"/>
       <dgm:spPr/>
     </dgm:pt>
     <dgm:pt modelId="{291D5A65-BA4D-4BF4-8D0F-050F9D81FBB6}" type="pres">
-      <dgm:prSet presAssocID="{D6553791-8532-4952-AC46-957A80E6F455}" presName="childText" presStyleLbl="bgAcc1" presStyleIdx="8" presStyleCnt="11">
+      <dgm:prSet presAssocID="{D6553791-8532-4952-AC46-957A80E6F455}" presName="childText" presStyleLbl="bgAcc1" presStyleIdx="9" presStyleCnt="12">
         <dgm:presLayoutVars>
           <dgm:bulletEnabled val="1"/>
         </dgm:presLayoutVars>
@@ -1793,11 +1851,11 @@
       <dgm:spPr/>
     </dgm:pt>
     <dgm:pt modelId="{6B27DFF3-3021-4E99-BF73-829A6255425D}" type="pres">
-      <dgm:prSet presAssocID="{E8807DF0-38BE-4236-AFC9-03DFA18007AA}" presName="Name13" presStyleLbl="parChTrans1D2" presStyleIdx="9" presStyleCnt="11"/>
+      <dgm:prSet presAssocID="{E8807DF0-38BE-4236-AFC9-03DFA18007AA}" presName="Name13" presStyleLbl="parChTrans1D2" presStyleIdx="10" presStyleCnt="12"/>
       <dgm:spPr/>
     </dgm:pt>
     <dgm:pt modelId="{88C17E61-7A2A-46D7-AC95-5E562286A33E}" type="pres">
-      <dgm:prSet presAssocID="{23FBFCAF-D268-4C4D-8359-092F33A19BD5}" presName="childText" presStyleLbl="bgAcc1" presStyleIdx="9" presStyleCnt="11">
+      <dgm:prSet presAssocID="{23FBFCAF-D268-4C4D-8359-092F33A19BD5}" presName="childText" presStyleLbl="bgAcc1" presStyleIdx="10" presStyleCnt="12">
         <dgm:presLayoutVars>
           <dgm:bulletEnabled val="1"/>
         </dgm:presLayoutVars>
@@ -1805,11 +1863,11 @@
       <dgm:spPr/>
     </dgm:pt>
     <dgm:pt modelId="{E8A2D34D-9B35-4804-BD08-DC4453907292}" type="pres">
-      <dgm:prSet presAssocID="{E61F56D0-9360-46BF-8251-561CA9F726E8}" presName="Name13" presStyleLbl="parChTrans1D2" presStyleIdx="10" presStyleCnt="11"/>
+      <dgm:prSet presAssocID="{E61F56D0-9360-46BF-8251-561CA9F726E8}" presName="Name13" presStyleLbl="parChTrans1D2" presStyleIdx="11" presStyleCnt="12"/>
       <dgm:spPr/>
     </dgm:pt>
     <dgm:pt modelId="{1B267FF2-7D4F-4C45-AA7C-4EA638A9F1C5}" type="pres">
-      <dgm:prSet presAssocID="{BE7D634C-5542-4AE8-B044-37802A6A19BF}" presName="childText" presStyleLbl="bgAcc1" presStyleIdx="10" presStyleCnt="11">
+      <dgm:prSet presAssocID="{BE7D634C-5542-4AE8-B044-37802A6A19BF}" presName="childText" presStyleLbl="bgAcc1" presStyleIdx="11" presStyleCnt="12">
         <dgm:presLayoutVars>
           <dgm:bulletEnabled val="1"/>
         </dgm:presLayoutVars>
@@ -1821,11 +1879,13 @@
     <dgm:cxn modelId="{F8F3D917-317B-4A80-B606-277A7F6170C2}" srcId="{9AAB3432-E203-4861-9A1F-5A18DE81A0E0}" destId="{F221EA58-7488-4550-B7A5-965344CA7EAE}" srcOrd="1" destOrd="0" parTransId="{03056A9D-BCBF-4181-B8D6-7E4ECCBD4D9E}" sibTransId="{50012D0E-39A9-4FB4-832D-C4D74BE598A6}"/>
     <dgm:cxn modelId="{B7B8BE25-1D3D-41C1-B2BB-252CA3FFFABF}" srcId="{5D17C516-2319-40FE-8748-E184C6D71444}" destId="{C217CF6C-69F6-4F1F-BFEF-F03F51825445}" srcOrd="0" destOrd="0" parTransId="{109F41A6-1D40-4F81-903A-8B0CB1E442DB}" sibTransId="{727D2815-3763-49AC-8FA5-B78975C6E255}"/>
     <dgm:cxn modelId="{918F4E28-6C57-4EFF-80BA-F57AC436CDC9}" type="presOf" srcId="{08AACE21-5FAD-4460-B120-67387C8F0F32}" destId="{F5AE7053-0C33-481C-8BFB-D2DAFB4C4294}" srcOrd="0" destOrd="0" presId="urn:microsoft.com/office/officeart/2005/8/layout/hierarchy3"/>
+    <dgm:cxn modelId="{052CFA2E-CA41-4AC1-AB22-4D2537CA2312}" type="presOf" srcId="{21C8EE31-AEBF-47B2-ADDE-34FDFA6BF6DC}" destId="{375B2884-C079-4ABC-AF46-CC7B31EF2123}" srcOrd="0" destOrd="0" presId="urn:microsoft.com/office/officeart/2005/8/layout/hierarchy3"/>
     <dgm:cxn modelId="{C679C12F-0D37-4771-853C-9B6A72F3F8AB}" srcId="{5D17C516-2319-40FE-8748-E184C6D71444}" destId="{23FBFCAF-D268-4C4D-8359-092F33A19BD5}" srcOrd="2" destOrd="0" parTransId="{E8807DF0-38BE-4236-AFC9-03DFA18007AA}" sibTransId="{49424D88-7251-4F7F-9D61-B03F29AB2536}"/>
     <dgm:cxn modelId="{372E1130-8A4A-4006-A020-34030B0410C9}" srcId="{ED0B78BF-E006-4732-B48C-2ADC9E2EF39A}" destId="{A7945ECA-2D01-4C03-9AED-9E3EEAAF0F2C}" srcOrd="1" destOrd="0" parTransId="{D39C6496-6307-4FC4-9D55-DB6DA94D051F}" sibTransId="{4FF7D82F-ECB8-4560-8324-4D22393C300C}"/>
     <dgm:cxn modelId="{7156E032-39F7-4DCF-A095-E4906170ABD1}" type="presOf" srcId="{C217CF6C-69F6-4F1F-BFEF-F03F51825445}" destId="{EDB6085A-8F2B-4B84-887D-9DD4BEC6E4E1}" srcOrd="0" destOrd="0" presId="urn:microsoft.com/office/officeart/2005/8/layout/hierarchy3"/>
     <dgm:cxn modelId="{77C2803F-5DCB-40EC-8837-BEA44757C328}" type="presOf" srcId="{B1CEE35E-20B6-4A0B-B1E8-D4F40E3162E1}" destId="{C5878689-67F2-4E3D-8C9B-392F50C32024}" srcOrd="0" destOrd="0" presId="urn:microsoft.com/office/officeart/2005/8/layout/hierarchy3"/>
     <dgm:cxn modelId="{3C31933F-6B34-49D4-B2D3-FA6BA454BF0B}" type="presOf" srcId="{3C02419B-DA6A-4FDB-972F-4F8DC3AD08E3}" destId="{5A2BB121-DDEE-46A8-AC09-18496F773E62}" srcOrd="0" destOrd="0" presId="urn:microsoft.com/office/officeart/2005/8/layout/hierarchy3"/>
+    <dgm:cxn modelId="{91710C5C-CFE2-4A9F-AAD2-9CA95718FBE0}" type="presOf" srcId="{08DF2FDD-3A60-4E03-8D9E-10C265EC9121}" destId="{35FE4D4C-3CA0-4CCA-8F9D-1668C574961B}" srcOrd="0" destOrd="0" presId="urn:microsoft.com/office/officeart/2005/8/layout/hierarchy3"/>
     <dgm:cxn modelId="{C906736A-EECE-4919-9DAA-28FE9DCB5675}" type="presOf" srcId="{5D17C516-2319-40FE-8748-E184C6D71444}" destId="{3DB7ADFA-DCAB-4034-9F43-B860EBE864E8}" srcOrd="0" destOrd="0" presId="urn:microsoft.com/office/officeart/2005/8/layout/hierarchy3"/>
     <dgm:cxn modelId="{0DEC854C-4194-43A5-8929-DF87D63D4D63}" type="presOf" srcId="{E61F56D0-9360-46BF-8251-561CA9F726E8}" destId="{E8A2D34D-9B35-4804-BD08-DC4453907292}" srcOrd="0" destOrd="0" presId="urn:microsoft.com/office/officeart/2005/8/layout/hierarchy3"/>
     <dgm:cxn modelId="{658D4F50-D710-4AB9-8265-F6A1451ABDAD}" type="presOf" srcId="{E8807DF0-38BE-4236-AFC9-03DFA18007AA}" destId="{6B27DFF3-3021-4E99-BF73-829A6255425D}" srcOrd="0" destOrd="0" presId="urn:microsoft.com/office/officeart/2005/8/layout/hierarchy3"/>
@@ -1841,7 +1901,7 @@
     <dgm:cxn modelId="{FAC6949B-B633-43AF-9BCB-483138B18D3F}" type="presOf" srcId="{FA010E1E-46BF-40DE-B386-14C19C329E38}" destId="{0ECF28DA-9925-4B5B-97B1-BDA459502114}" srcOrd="0" destOrd="0" presId="urn:microsoft.com/office/officeart/2005/8/layout/hierarchy3"/>
     <dgm:cxn modelId="{8B495D9D-5B75-4B97-8FE7-54F24CED5860}" type="presOf" srcId="{1CBBDDB5-026A-42BF-8805-ACAC57AA5DC3}" destId="{3B0CF9DF-CC55-47FF-BECE-903E70F9D2DE}" srcOrd="0" destOrd="0" presId="urn:microsoft.com/office/officeart/2005/8/layout/hierarchy3"/>
     <dgm:cxn modelId="{F9A2BA9E-B30D-4948-A3E9-A634F6BE47FD}" srcId="{D4ADF4FB-6626-4BAA-8170-1AB86830E7EB}" destId="{5D17C516-2319-40FE-8748-E184C6D71444}" srcOrd="2" destOrd="0" parTransId="{EA441DC7-A30D-47EC-A5C8-C50834D06E30}" sibTransId="{636B54D7-340F-4600-82E5-F2E670443C91}"/>
-    <dgm:cxn modelId="{B2581BA3-7711-4B4F-895A-5C4A1A23D07A}" srcId="{ED0B78BF-E006-4732-B48C-2ADC9E2EF39A}" destId="{3C02419B-DA6A-4FDB-972F-4F8DC3AD08E3}" srcOrd="3" destOrd="0" parTransId="{FA010E1E-46BF-40DE-B386-14C19C329E38}" sibTransId="{ABE6B4B2-8044-42FC-8EBA-A2B2927B372D}"/>
+    <dgm:cxn modelId="{B2581BA3-7711-4B4F-895A-5C4A1A23D07A}" srcId="{ED0B78BF-E006-4732-B48C-2ADC9E2EF39A}" destId="{3C02419B-DA6A-4FDB-972F-4F8DC3AD08E3}" srcOrd="4" destOrd="0" parTransId="{FA010E1E-46BF-40DE-B386-14C19C329E38}" sibTransId="{ABE6B4B2-8044-42FC-8EBA-A2B2927B372D}"/>
     <dgm:cxn modelId="{17D275A3-9BBB-4EF7-8582-F13F0E98BB5D}" type="presOf" srcId="{ED0B78BF-E006-4732-B48C-2ADC9E2EF39A}" destId="{F1C18E15-3E91-476D-8B13-25AD56BC4B13}" srcOrd="0" destOrd="0" presId="urn:microsoft.com/office/officeart/2005/8/layout/hierarchy3"/>
     <dgm:cxn modelId="{29461AA4-85D3-4C91-9D68-226BD6D7500F}" type="presOf" srcId="{DDB8B436-9528-434E-BD0F-6EB4D2ACB929}" destId="{7E3D7089-292B-46E8-B4F0-ADC3733C52BD}" srcOrd="0" destOrd="0" presId="urn:microsoft.com/office/officeart/2005/8/layout/hierarchy3"/>
     <dgm:cxn modelId="{6F0A8CA4-3728-4E60-8471-7CAB7A834900}" type="presOf" srcId="{F221EA58-7488-4550-B7A5-965344CA7EAE}" destId="{CF0B1CD2-0FC3-49A4-A520-B01A6C3CCB95}" srcOrd="0" destOrd="0" presId="urn:microsoft.com/office/officeart/2005/8/layout/hierarchy3"/>
@@ -1859,8 +1919,9 @@
     <dgm:cxn modelId="{E630B7D1-EF42-4E29-A586-EDEEAFD22353}" srcId="{5D17C516-2319-40FE-8748-E184C6D71444}" destId="{D6553791-8532-4952-AC46-957A80E6F455}" srcOrd="1" destOrd="0" parTransId="{4B64BF35-F3DD-46FA-A74B-C8F1391BB234}" sibTransId="{C19A1F15-CCAA-4226-B7DD-F2CD4049A9B3}"/>
     <dgm:cxn modelId="{B80BDAD5-1DB9-4ED8-AD7A-F59F92E4D26B}" type="presOf" srcId="{D4ADF4FB-6626-4BAA-8170-1AB86830E7EB}" destId="{5EAC0F1C-8135-499C-A050-8951C4D4D68B}" srcOrd="0" destOrd="0" presId="urn:microsoft.com/office/officeart/2005/8/layout/hierarchy3"/>
     <dgm:cxn modelId="{05392EDD-3032-43C3-BA79-A1347D6D727C}" srcId="{9AAB3432-E203-4861-9A1F-5A18DE81A0E0}" destId="{DDB8B436-9528-434E-BD0F-6EB4D2ACB929}" srcOrd="0" destOrd="0" parTransId="{9E647244-45B2-496C-B687-01576FEABEC4}" sibTransId="{EE60868F-7BA4-434D-84FC-89FFDDF05FC3}"/>
+    <dgm:cxn modelId="{62C2F0F4-284D-4D02-8F32-BB76663AFA1F}" srcId="{ED0B78BF-E006-4732-B48C-2ADC9E2EF39A}" destId="{21C8EE31-AEBF-47B2-ADDE-34FDFA6BF6DC}" srcOrd="2" destOrd="0" parTransId="{08DF2FDD-3A60-4E03-8D9E-10C265EC9121}" sibTransId="{FFC06923-B3D1-4430-8195-28C90DC2D93A}"/>
     <dgm:cxn modelId="{13013BF6-3A96-443E-9540-BE81022B503E}" type="presOf" srcId="{9AAB3432-E203-4861-9A1F-5A18DE81A0E0}" destId="{D42C5353-2F91-4910-9E62-259C884C47C8}" srcOrd="0" destOrd="0" presId="urn:microsoft.com/office/officeart/2005/8/layout/hierarchy3"/>
-    <dgm:cxn modelId="{FCD83CF7-A1CD-455F-A466-CFFA01A2A6C9}" srcId="{ED0B78BF-E006-4732-B48C-2ADC9E2EF39A}" destId="{B0B0FACC-C24A-4552-82AB-C8FE8246DEF8}" srcOrd="2" destOrd="0" parTransId="{FD74BA91-6D78-44B3-BF01-4D49723F4718}" sibTransId="{E6264341-6F1C-4A60-9081-A5335333D714}"/>
+    <dgm:cxn modelId="{FCD83CF7-A1CD-455F-A466-CFFA01A2A6C9}" srcId="{ED0B78BF-E006-4732-B48C-2ADC9E2EF39A}" destId="{B0B0FACC-C24A-4552-82AB-C8FE8246DEF8}" srcOrd="3" destOrd="0" parTransId="{FD74BA91-6D78-44B3-BF01-4D49723F4718}" sibTransId="{E6264341-6F1C-4A60-9081-A5335333D714}"/>
     <dgm:cxn modelId="{D1AD12C1-70FD-4640-8165-4E8A414F3C3C}" type="presParOf" srcId="{5EAC0F1C-8135-499C-A050-8951C4D4D68B}" destId="{E9A360F5-905C-4B1F-87BD-8099DBD7826B}" srcOrd="0" destOrd="0" presId="urn:microsoft.com/office/officeart/2005/8/layout/hierarchy3"/>
     <dgm:cxn modelId="{EA767C94-0C36-4B1E-B0CE-249521D515D9}" type="presParOf" srcId="{E9A360F5-905C-4B1F-87BD-8099DBD7826B}" destId="{770F0FD6-A664-4D0A-A016-FBEA3DBC5EF2}" srcOrd="0" destOrd="0" presId="urn:microsoft.com/office/officeart/2005/8/layout/hierarchy3"/>
     <dgm:cxn modelId="{99E9EA2F-D216-4B5B-BB7F-3561383CB3E9}" type="presParOf" srcId="{770F0FD6-A664-4D0A-A016-FBEA3DBC5EF2}" destId="{D42C5353-2F91-4910-9E62-259C884C47C8}" srcOrd="0" destOrd="0" presId="urn:microsoft.com/office/officeart/2005/8/layout/hierarchy3"/>
@@ -1881,10 +1942,12 @@
     <dgm:cxn modelId="{8BDD8554-2C29-4FFE-BD1A-F208CC31C2A1}" type="presParOf" srcId="{5E7F2D45-2508-495B-A708-02E0FD5F2314}" destId="{3B0CF9DF-CC55-47FF-BECE-903E70F9D2DE}" srcOrd="1" destOrd="0" presId="urn:microsoft.com/office/officeart/2005/8/layout/hierarchy3"/>
     <dgm:cxn modelId="{875A6F76-A845-47E2-9FD3-19114F777D75}" type="presParOf" srcId="{5E7F2D45-2508-495B-A708-02E0FD5F2314}" destId="{7DFA9A08-1F84-4CF2-9E63-7F6E7C219F76}" srcOrd="2" destOrd="0" presId="urn:microsoft.com/office/officeart/2005/8/layout/hierarchy3"/>
     <dgm:cxn modelId="{D1011F87-5E28-4D3F-8118-4BA6A4FEA06E}" type="presParOf" srcId="{5E7F2D45-2508-495B-A708-02E0FD5F2314}" destId="{9C3E65C4-9266-43CB-B08F-79811ABF047A}" srcOrd="3" destOrd="0" presId="urn:microsoft.com/office/officeart/2005/8/layout/hierarchy3"/>
-    <dgm:cxn modelId="{B64B3C35-7E92-47FF-A43C-7E75EABB7DE0}" type="presParOf" srcId="{5E7F2D45-2508-495B-A708-02E0FD5F2314}" destId="{16CFAB30-3E6A-44D7-A45D-E3066E142053}" srcOrd="4" destOrd="0" presId="urn:microsoft.com/office/officeart/2005/8/layout/hierarchy3"/>
-    <dgm:cxn modelId="{86D49351-D3C9-48A1-88EA-44A93353F587}" type="presParOf" srcId="{5E7F2D45-2508-495B-A708-02E0FD5F2314}" destId="{5F9726AA-E8AD-4C5C-A0CA-2350C4F8CAFA}" srcOrd="5" destOrd="0" presId="urn:microsoft.com/office/officeart/2005/8/layout/hierarchy3"/>
-    <dgm:cxn modelId="{91C1DB7D-DADE-48E1-9C3F-D33F6FC84386}" type="presParOf" srcId="{5E7F2D45-2508-495B-A708-02E0FD5F2314}" destId="{0ECF28DA-9925-4B5B-97B1-BDA459502114}" srcOrd="6" destOrd="0" presId="urn:microsoft.com/office/officeart/2005/8/layout/hierarchy3"/>
-    <dgm:cxn modelId="{7A09BA7C-9EDC-496E-8A6D-4B0744B8C88D}" type="presParOf" srcId="{5E7F2D45-2508-495B-A708-02E0FD5F2314}" destId="{5A2BB121-DDEE-46A8-AC09-18496F773E62}" srcOrd="7" destOrd="0" presId="urn:microsoft.com/office/officeart/2005/8/layout/hierarchy3"/>
+    <dgm:cxn modelId="{1C9EC978-49C4-44B1-B7F0-A80918C3CC4C}" type="presParOf" srcId="{5E7F2D45-2508-495B-A708-02E0FD5F2314}" destId="{35FE4D4C-3CA0-4CCA-8F9D-1668C574961B}" srcOrd="4" destOrd="0" presId="urn:microsoft.com/office/officeart/2005/8/layout/hierarchy3"/>
+    <dgm:cxn modelId="{B79D566C-42D9-42A8-9C46-AA22B87D15A7}" type="presParOf" srcId="{5E7F2D45-2508-495B-A708-02E0FD5F2314}" destId="{375B2884-C079-4ABC-AF46-CC7B31EF2123}" srcOrd="5" destOrd="0" presId="urn:microsoft.com/office/officeart/2005/8/layout/hierarchy3"/>
+    <dgm:cxn modelId="{B64B3C35-7E92-47FF-A43C-7E75EABB7DE0}" type="presParOf" srcId="{5E7F2D45-2508-495B-A708-02E0FD5F2314}" destId="{16CFAB30-3E6A-44D7-A45D-E3066E142053}" srcOrd="6" destOrd="0" presId="urn:microsoft.com/office/officeart/2005/8/layout/hierarchy3"/>
+    <dgm:cxn modelId="{86D49351-D3C9-48A1-88EA-44A93353F587}" type="presParOf" srcId="{5E7F2D45-2508-495B-A708-02E0FD5F2314}" destId="{5F9726AA-E8AD-4C5C-A0CA-2350C4F8CAFA}" srcOrd="7" destOrd="0" presId="urn:microsoft.com/office/officeart/2005/8/layout/hierarchy3"/>
+    <dgm:cxn modelId="{91C1DB7D-DADE-48E1-9C3F-D33F6FC84386}" type="presParOf" srcId="{5E7F2D45-2508-495B-A708-02E0FD5F2314}" destId="{0ECF28DA-9925-4B5B-97B1-BDA459502114}" srcOrd="8" destOrd="0" presId="urn:microsoft.com/office/officeart/2005/8/layout/hierarchy3"/>
+    <dgm:cxn modelId="{7A09BA7C-9EDC-496E-8A6D-4B0744B8C88D}" type="presParOf" srcId="{5E7F2D45-2508-495B-A708-02E0FD5F2314}" destId="{5A2BB121-DDEE-46A8-AC09-18496F773E62}" srcOrd="9" destOrd="0" presId="urn:microsoft.com/office/officeart/2005/8/layout/hierarchy3"/>
     <dgm:cxn modelId="{F5B8C0DF-97A3-423B-9A5D-53FC91FEE07D}" type="presParOf" srcId="{5EAC0F1C-8135-499C-A050-8951C4D4D68B}" destId="{59FB6EFF-035B-4901-8C84-3BDEA8130465}" srcOrd="2" destOrd="0" presId="urn:microsoft.com/office/officeart/2005/8/layout/hierarchy3"/>
     <dgm:cxn modelId="{2C3BEA50-80F2-41C7-A82B-5C3E16FC0BD9}" type="presParOf" srcId="{59FB6EFF-035B-4901-8C84-3BDEA8130465}" destId="{DFAAFD62-220C-47EA-B1FF-1D698C1D9D0C}" srcOrd="0" destOrd="0" presId="urn:microsoft.com/office/officeart/2005/8/layout/hierarchy3"/>
     <dgm:cxn modelId="{5783CD70-7213-4FC1-AF68-237D5BC3062A}" type="presParOf" srcId="{DFAAFD62-220C-47EA-B1FF-1D698C1D9D0C}" destId="{3DB7ADFA-DCAB-4034-9F43-B860EBE864E8}" srcOrd="0" destOrd="0" presId="urn:microsoft.com/office/officeart/2005/8/layout/hierarchy3"/>
@@ -1924,8 +1987,8 @@
       </dsp:nvSpPr>
       <dsp:spPr>
         <a:xfrm>
-          <a:off x="529456" y="248"/>
-          <a:ext cx="1439167" cy="719583"/>
+          <a:off x="912316" y="372"/>
+          <a:ext cx="1220390" cy="610195"/>
         </a:xfrm>
         <a:prstGeom prst="roundRect">
           <a:avLst>
@@ -1968,12 +2031,12 @@
         </a:fontRef>
       </dsp:style>
       <dsp:txBody>
-        <a:bodyPr spcFirstLastPara="0" vert="horz" wrap="square" lIns="28575" tIns="19050" rIns="28575" bIns="19050" numCol="1" spcCol="1270" anchor="ctr" anchorCtr="0">
+        <a:bodyPr spcFirstLastPara="0" vert="horz" wrap="square" lIns="24765" tIns="16510" rIns="24765" bIns="16510" numCol="1" spcCol="1270" anchor="ctr" anchorCtr="0">
           <a:noAutofit/>
         </a:bodyPr>
         <a:lstStyle/>
         <a:p>
-          <a:pPr marL="0" lvl="0" indent="0" algn="ctr" defTabSz="666750">
+          <a:pPr marL="0" lvl="0" indent="0" algn="ctr" defTabSz="577850">
             <a:lnSpc>
               <a:spcPct val="90000"/>
             </a:lnSpc>
@@ -1986,14 +2049,14 @@
             <a:buNone/>
           </a:pPr>
           <a:r>
-            <a:rPr lang="en-US" sz="1500" kern="1200" dirty="0"/>
+            <a:rPr lang="en-US" sz="1300" kern="1200" dirty="0"/>
             <a:t>Basic Principles</a:t>
           </a:r>
         </a:p>
       </dsp:txBody>
       <dsp:txXfrm>
-        <a:off x="550532" y="21324"/>
-        <a:ext cx="1397015" cy="677431"/>
+        <a:off x="930188" y="18244"/>
+        <a:ext cx="1184646" cy="574451"/>
       </dsp:txXfrm>
     </dsp:sp>
     <dsp:sp modelId="{360B229B-0F55-45E5-A55A-DDDBDBD1C921}">
@@ -2003,8 +2066,8 @@
       </dsp:nvSpPr>
       <dsp:spPr>
         <a:xfrm>
-          <a:off x="673372" y="719832"/>
-          <a:ext cx="143916" cy="539687"/>
+          <a:off x="1034355" y="610567"/>
+          <a:ext cx="141360" cy="431890"/>
         </a:xfrm>
         <a:custGeom>
           <a:avLst/>
@@ -2018,10 +2081,10 @@
                 <a:pt x="0" y="0"/>
               </a:moveTo>
               <a:lnTo>
-                <a:pt x="0" y="539687"/>
+                <a:pt x="0" y="431890"/>
               </a:lnTo>
               <a:lnTo>
-                <a:pt x="143916" y="539687"/>
+                <a:pt x="141360" y="431890"/>
               </a:lnTo>
             </a:path>
           </a:pathLst>
@@ -2061,8 +2124,8 @@
       </dsp:nvSpPr>
       <dsp:spPr>
         <a:xfrm>
-          <a:off x="817289" y="899728"/>
-          <a:ext cx="1151334" cy="719583"/>
+          <a:off x="1175715" y="737359"/>
+          <a:ext cx="976312" cy="610195"/>
         </a:xfrm>
         <a:prstGeom prst="roundRect">
           <a:avLst>
@@ -2104,12 +2167,12 @@
         <a:fontRef idx="minor"/>
       </dsp:style>
       <dsp:txBody>
-        <a:bodyPr spcFirstLastPara="0" vert="horz" wrap="square" lIns="28575" tIns="19050" rIns="28575" bIns="19050" numCol="1" spcCol="1270" anchor="ctr" anchorCtr="0">
+        <a:bodyPr spcFirstLastPara="0" vert="horz" wrap="square" lIns="19050" tIns="12700" rIns="19050" bIns="12700" numCol="1" spcCol="1270" anchor="ctr" anchorCtr="0">
           <a:noAutofit/>
         </a:bodyPr>
         <a:lstStyle/>
         <a:p>
-          <a:pPr marL="0" lvl="0" indent="0" algn="ctr" defTabSz="666750">
+          <a:pPr marL="0" lvl="0" indent="0" algn="ctr" defTabSz="444500">
             <a:lnSpc>
               <a:spcPct val="90000"/>
             </a:lnSpc>
@@ -2122,14 +2185,14 @@
             <a:buNone/>
           </a:pPr>
           <a:r>
-            <a:rPr lang="en-US" sz="1500" kern="1200" dirty="0"/>
+            <a:rPr lang="en-US" sz="1000" kern="1200" dirty="0"/>
             <a:t>Designing Data</a:t>
           </a:r>
         </a:p>
       </dsp:txBody>
       <dsp:txXfrm>
-        <a:off x="838365" y="920804"/>
-        <a:ext cx="1109182" cy="677431"/>
+        <a:off x="1193587" y="755231"/>
+        <a:ext cx="940568" cy="574451"/>
       </dsp:txXfrm>
     </dsp:sp>
     <dsp:sp modelId="{BC1B1EA4-129C-44F6-935B-BA646A7A2AA3}">
@@ -2139,8 +2202,8 @@
       </dsp:nvSpPr>
       <dsp:spPr>
         <a:xfrm>
-          <a:off x="673372" y="719832"/>
-          <a:ext cx="143916" cy="1439167"/>
+          <a:off x="1034355" y="610567"/>
+          <a:ext cx="122039" cy="1220390"/>
         </a:xfrm>
         <a:custGeom>
           <a:avLst/>
@@ -2154,10 +2217,10 @@
                 <a:pt x="0" y="0"/>
               </a:moveTo>
               <a:lnTo>
-                <a:pt x="0" y="1439167"/>
+                <a:pt x="0" y="1220390"/>
               </a:lnTo>
               <a:lnTo>
-                <a:pt x="143916" y="1439167"/>
+                <a:pt x="122039" y="1220390"/>
               </a:lnTo>
             </a:path>
           </a:pathLst>
@@ -2197,8 +2260,8 @@
       </dsp:nvSpPr>
       <dsp:spPr>
         <a:xfrm>
-          <a:off x="817289" y="1799208"/>
-          <a:ext cx="1151334" cy="719583"/>
+          <a:off x="1156394" y="1525860"/>
+          <a:ext cx="976312" cy="610195"/>
         </a:xfrm>
         <a:prstGeom prst="roundRect">
           <a:avLst>
@@ -2240,12 +2303,12 @@
         <a:fontRef idx="minor"/>
       </dsp:style>
       <dsp:txBody>
-        <a:bodyPr spcFirstLastPara="0" vert="horz" wrap="square" lIns="28575" tIns="19050" rIns="28575" bIns="19050" numCol="1" spcCol="1270" anchor="ctr" anchorCtr="0">
+        <a:bodyPr spcFirstLastPara="0" vert="horz" wrap="square" lIns="19050" tIns="12700" rIns="19050" bIns="12700" numCol="1" spcCol="1270" anchor="ctr" anchorCtr="0">
           <a:noAutofit/>
         </a:bodyPr>
         <a:lstStyle/>
         <a:p>
-          <a:pPr marL="0" lvl="0" indent="0" algn="ctr" defTabSz="666750">
+          <a:pPr marL="0" lvl="0" indent="0" algn="ctr" defTabSz="444500">
             <a:lnSpc>
               <a:spcPct val="90000"/>
             </a:lnSpc>
@@ -2258,7 +2321,7 @@
             <a:buNone/>
           </a:pPr>
           <a:r>
-            <a:rPr lang="en-US" sz="1500" kern="1200" dirty="0">
+            <a:rPr lang="en-US" sz="1000" kern="1200" dirty="0">
               <a:solidFill>
                 <a:prstClr val="black">
                   <a:hueOff val="0"/>
@@ -2276,8 +2339,8 @@
         </a:p>
       </dsp:txBody>
       <dsp:txXfrm>
-        <a:off x="838365" y="1820284"/>
-        <a:ext cx="1109182" cy="677431"/>
+        <a:off x="1174266" y="1543732"/>
+        <a:ext cx="940568" cy="574451"/>
       </dsp:txXfrm>
     </dsp:sp>
     <dsp:sp modelId="{F5AE7053-0C33-481C-8BFB-D2DAFB4C4294}">
@@ -2287,8 +2350,8 @@
       </dsp:nvSpPr>
       <dsp:spPr>
         <a:xfrm>
-          <a:off x="673372" y="719832"/>
-          <a:ext cx="143916" cy="2338647"/>
+          <a:off x="1034355" y="610567"/>
+          <a:ext cx="122039" cy="1983134"/>
         </a:xfrm>
         <a:custGeom>
           <a:avLst/>
@@ -2302,10 +2365,10 @@
                 <a:pt x="0" y="0"/>
               </a:moveTo>
               <a:lnTo>
-                <a:pt x="0" y="2338647"/>
+                <a:pt x="0" y="1983134"/>
               </a:lnTo>
               <a:lnTo>
-                <a:pt x="143916" y="2338647"/>
+                <a:pt x="122039" y="1983134"/>
               </a:lnTo>
             </a:path>
           </a:pathLst>
@@ -2345,8 +2408,8 @@
       </dsp:nvSpPr>
       <dsp:spPr>
         <a:xfrm>
-          <a:off x="817289" y="2698687"/>
-          <a:ext cx="1151334" cy="719583"/>
+          <a:off x="1156394" y="2288604"/>
+          <a:ext cx="976312" cy="610195"/>
         </a:xfrm>
         <a:prstGeom prst="roundRect">
           <a:avLst>
@@ -2388,12 +2451,12 @@
         <a:fontRef idx="minor"/>
       </dsp:style>
       <dsp:txBody>
-        <a:bodyPr spcFirstLastPara="0" vert="horz" wrap="square" lIns="28575" tIns="19050" rIns="28575" bIns="19050" numCol="1" spcCol="1270" anchor="ctr" anchorCtr="0">
+        <a:bodyPr spcFirstLastPara="0" vert="horz" wrap="square" lIns="19050" tIns="12700" rIns="19050" bIns="12700" numCol="1" spcCol="1270" anchor="ctr" anchorCtr="0">
           <a:noAutofit/>
         </a:bodyPr>
         <a:lstStyle/>
         <a:p>
-          <a:pPr marL="0" lvl="0" indent="0" algn="ctr" defTabSz="666750">
+          <a:pPr marL="0" lvl="0" indent="0" algn="ctr" defTabSz="444500">
             <a:lnSpc>
               <a:spcPct val="90000"/>
             </a:lnSpc>
@@ -2406,7 +2469,7 @@
             <a:buNone/>
           </a:pPr>
           <a:r>
-            <a:rPr lang="en-US" sz="1500" kern="1200" dirty="0">
+            <a:rPr lang="en-US" sz="1000" kern="1200" dirty="0">
               <a:solidFill>
                 <a:prstClr val="black">
                   <a:hueOff val="0"/>
@@ -2419,13 +2482,33 @@
               <a:ea typeface="+mn-ea"/>
               <a:cs typeface="+mn-cs"/>
             </a:rPr>
-            <a:t>Designing Systems</a:t>
+            <a:t>Designing</a:t>
+          </a:r>
+          <a:r>
+            <a:rPr lang="en-US" sz="1000" kern="1200" dirty="0"/>
+            <a:t> </a:t>
+          </a:r>
+          <a:r>
+            <a:rPr lang="en-US" sz="1000" kern="1200" dirty="0">
+              <a:solidFill>
+                <a:prstClr val="black">
+                  <a:hueOff val="0"/>
+                  <a:satOff val="0"/>
+                  <a:lumOff val="0"/>
+                  <a:alphaOff val="0"/>
+                </a:prstClr>
+              </a:solidFill>
+              <a:latin typeface="Calibri"/>
+              <a:ea typeface="+mn-ea"/>
+              <a:cs typeface="+mn-cs"/>
+            </a:rPr>
+            <a:t>Systems</a:t>
           </a:r>
         </a:p>
       </dsp:txBody>
       <dsp:txXfrm>
-        <a:off x="838365" y="2719763"/>
-        <a:ext cx="1109182" cy="677431"/>
+        <a:off x="1174266" y="2306476"/>
+        <a:ext cx="940568" cy="574451"/>
       </dsp:txXfrm>
     </dsp:sp>
     <dsp:sp modelId="{F1C18E15-3E91-476D-8B13-25AD56BC4B13}">
@@ -2435,8 +2518,8 @@
       </dsp:nvSpPr>
       <dsp:spPr>
         <a:xfrm>
-          <a:off x="2328416" y="248"/>
-          <a:ext cx="1439167" cy="719583"/>
+          <a:off x="2437804" y="372"/>
+          <a:ext cx="1220390" cy="610195"/>
         </a:xfrm>
         <a:prstGeom prst="roundRect">
           <a:avLst>
@@ -2479,12 +2562,12 @@
         </a:fontRef>
       </dsp:style>
       <dsp:txBody>
-        <a:bodyPr spcFirstLastPara="0" vert="horz" wrap="square" lIns="28575" tIns="19050" rIns="28575" bIns="19050" numCol="1" spcCol="1270" anchor="ctr" anchorCtr="0">
+        <a:bodyPr spcFirstLastPara="0" vert="horz" wrap="square" lIns="24765" tIns="16510" rIns="24765" bIns="16510" numCol="1" spcCol="1270" anchor="ctr" anchorCtr="0">
           <a:noAutofit/>
         </a:bodyPr>
         <a:lstStyle/>
         <a:p>
-          <a:pPr marL="0" lvl="0" indent="0" algn="ctr" defTabSz="666750">
+          <a:pPr marL="0" lvl="0" indent="0" algn="ctr" defTabSz="577850">
             <a:lnSpc>
               <a:spcPct val="90000"/>
             </a:lnSpc>
@@ -2497,14 +2580,14 @@
             <a:buNone/>
           </a:pPr>
           <a:r>
-            <a:rPr lang="en-US" sz="1500" kern="1200" dirty="0"/>
+            <a:rPr lang="en-US" sz="1300" kern="1200" dirty="0"/>
             <a:t>Tools and Techniques</a:t>
           </a:r>
         </a:p>
       </dsp:txBody>
       <dsp:txXfrm>
-        <a:off x="2349492" y="21324"/>
-        <a:ext cx="1397015" cy="677431"/>
+        <a:off x="2455676" y="18244"/>
+        <a:ext cx="1184646" cy="574451"/>
       </dsp:txXfrm>
     </dsp:sp>
     <dsp:sp modelId="{2564A6E5-875B-4BC6-B983-AA12C064A019}">
@@ -2514,8 +2597,8 @@
       </dsp:nvSpPr>
       <dsp:spPr>
         <a:xfrm>
-          <a:off x="2472332" y="719832"/>
-          <a:ext cx="143916" cy="539687"/>
+          <a:off x="2559843" y="610567"/>
+          <a:ext cx="122039" cy="457646"/>
         </a:xfrm>
         <a:custGeom>
           <a:avLst/>
@@ -2529,10 +2612,10 @@
                 <a:pt x="0" y="0"/>
               </a:moveTo>
               <a:lnTo>
-                <a:pt x="0" y="539687"/>
+                <a:pt x="0" y="457646"/>
               </a:lnTo>
               <a:lnTo>
-                <a:pt x="143916" y="539687"/>
+                <a:pt x="122039" y="457646"/>
               </a:lnTo>
             </a:path>
           </a:pathLst>
@@ -2572,8 +2655,8 @@
       </dsp:nvSpPr>
       <dsp:spPr>
         <a:xfrm>
-          <a:off x="2616249" y="899728"/>
-          <a:ext cx="1151334" cy="719583"/>
+          <a:off x="2681882" y="763116"/>
+          <a:ext cx="976312" cy="610195"/>
         </a:xfrm>
         <a:prstGeom prst="roundRect">
           <a:avLst>
@@ -2582,7 +2665,9 @@
         </a:prstGeom>
         <a:solidFill>
           <a:srgbClr val="C0504D">
-            <a:alpha val="50000"/>
+            <a:lumMod val="60000"/>
+            <a:lumOff val="40000"/>
+            <a:alpha val="90000"/>
           </a:srgbClr>
         </a:solidFill>
         <a:ln w="25400" cap="flat" cmpd="sng" algn="ctr">
@@ -2604,12 +2689,12 @@
         <a:fontRef idx="minor"/>
       </dsp:style>
       <dsp:txBody>
-        <a:bodyPr spcFirstLastPara="0" vert="horz" wrap="square" lIns="28575" tIns="19050" rIns="28575" bIns="19050" numCol="1" spcCol="1270" anchor="ctr" anchorCtr="0">
+        <a:bodyPr spcFirstLastPara="0" vert="horz" wrap="square" lIns="19050" tIns="12700" rIns="19050" bIns="12700" numCol="1" spcCol="1270" anchor="ctr" anchorCtr="0">
           <a:noAutofit/>
         </a:bodyPr>
         <a:lstStyle/>
         <a:p>
-          <a:pPr marL="0" lvl="0" indent="0" algn="ctr" defTabSz="666750">
+          <a:pPr marL="0" lvl="0" indent="0" algn="ctr" defTabSz="444500">
             <a:lnSpc>
               <a:spcPct val="90000"/>
             </a:lnSpc>
@@ -2622,7 +2707,7 @@
             <a:buNone/>
           </a:pPr>
           <a:r>
-            <a:rPr lang="en-US" sz="1500" kern="1200" dirty="0">
+            <a:rPr lang="en-US" sz="1000" kern="1200" dirty="0">
               <a:solidFill>
                 <a:prstClr val="black">
                   <a:hueOff val="0"/>
@@ -2640,8 +2725,8 @@
         </a:p>
       </dsp:txBody>
       <dsp:txXfrm>
-        <a:off x="2637325" y="920804"/>
-        <a:ext cx="1109182" cy="677431"/>
+        <a:off x="2699754" y="780988"/>
+        <a:ext cx="940568" cy="574451"/>
       </dsp:txXfrm>
     </dsp:sp>
     <dsp:sp modelId="{7DFA9A08-1F84-4CF2-9E63-7F6E7C219F76}">
@@ -2651,8 +2736,8 @@
       </dsp:nvSpPr>
       <dsp:spPr>
         <a:xfrm>
-          <a:off x="2472332" y="719832"/>
-          <a:ext cx="143916" cy="1439167"/>
+          <a:off x="2559843" y="610567"/>
+          <a:ext cx="122039" cy="1220390"/>
         </a:xfrm>
         <a:custGeom>
           <a:avLst/>
@@ -2666,10 +2751,10 @@
                 <a:pt x="0" y="0"/>
               </a:moveTo>
               <a:lnTo>
-                <a:pt x="0" y="1439167"/>
+                <a:pt x="0" y="1220390"/>
               </a:lnTo>
               <a:lnTo>
-                <a:pt x="143916" y="1439167"/>
+                <a:pt x="122039" y="1220390"/>
               </a:lnTo>
             </a:path>
           </a:pathLst>
@@ -2709,8 +2794,8 @@
       </dsp:nvSpPr>
       <dsp:spPr>
         <a:xfrm>
-          <a:off x="2616249" y="1799208"/>
-          <a:ext cx="1151334" cy="719583"/>
+          <a:off x="2681882" y="1525860"/>
+          <a:ext cx="976312" cy="610195"/>
         </a:xfrm>
         <a:prstGeom prst="roundRect">
           <a:avLst>
@@ -2752,12 +2837,12 @@
         <a:fontRef idx="minor"/>
       </dsp:style>
       <dsp:txBody>
-        <a:bodyPr spcFirstLastPara="0" vert="horz" wrap="square" lIns="28575" tIns="19050" rIns="28575" bIns="19050" numCol="1" spcCol="1270" anchor="ctr" anchorCtr="0">
+        <a:bodyPr spcFirstLastPara="0" vert="horz" wrap="square" lIns="19050" tIns="12700" rIns="19050" bIns="12700" numCol="1" spcCol="1270" anchor="ctr" anchorCtr="0">
           <a:noAutofit/>
         </a:bodyPr>
         <a:lstStyle/>
         <a:p>
-          <a:pPr marL="0" lvl="0" indent="0" algn="ctr" defTabSz="666750">
+          <a:pPr marL="0" lvl="0" indent="0" algn="ctr" defTabSz="444500">
             <a:lnSpc>
               <a:spcPct val="90000"/>
             </a:lnSpc>
@@ -2770,25 +2855,25 @@
             <a:buNone/>
           </a:pPr>
           <a:r>
-            <a:rPr lang="en-US" sz="1500" kern="1200" dirty="0"/>
+            <a:rPr lang="en-US" sz="1000" kern="1200" dirty="0"/>
             <a:t>Computing with Trees and Graphs</a:t>
           </a:r>
         </a:p>
       </dsp:txBody>
       <dsp:txXfrm>
-        <a:off x="2637325" y="1820284"/>
-        <a:ext cx="1109182" cy="677431"/>
+        <a:off x="2699754" y="1543732"/>
+        <a:ext cx="940568" cy="574451"/>
       </dsp:txXfrm>
     </dsp:sp>
-    <dsp:sp modelId="{16CFAB30-3E6A-44D7-A45D-E3066E142053}">
+    <dsp:sp modelId="{35FE4D4C-3CA0-4CCA-8F9D-1668C574961B}">
       <dsp:nvSpPr>
         <dsp:cNvPr id="0" name=""/>
         <dsp:cNvSpPr/>
       </dsp:nvSpPr>
       <dsp:spPr>
         <a:xfrm>
-          <a:off x="2472332" y="719832"/>
-          <a:ext cx="143916" cy="2338647"/>
+          <a:off x="2559843" y="610567"/>
+          <a:ext cx="122039" cy="1983134"/>
         </a:xfrm>
         <a:custGeom>
           <a:avLst/>
@@ -2802,10 +2887,10 @@
                 <a:pt x="0" y="0"/>
               </a:moveTo>
               <a:lnTo>
-                <a:pt x="0" y="2338647"/>
+                <a:pt x="0" y="1983134"/>
               </a:lnTo>
               <a:lnTo>
-                <a:pt x="143916" y="2338647"/>
+                <a:pt x="122039" y="1983134"/>
               </a:lnTo>
             </a:path>
           </a:pathLst>
@@ -2838,15 +2923,15 @@
         <a:fontRef idx="minor"/>
       </dsp:style>
     </dsp:sp>
-    <dsp:sp modelId="{5F9726AA-E8AD-4C5C-A0CA-2350C4F8CAFA}">
+    <dsp:sp modelId="{375B2884-C079-4ABC-AF46-CC7B31EF2123}">
       <dsp:nvSpPr>
         <dsp:cNvPr id="0" name=""/>
         <dsp:cNvSpPr/>
       </dsp:nvSpPr>
       <dsp:spPr>
         <a:xfrm>
-          <a:off x="2616249" y="2698687"/>
-          <a:ext cx="1151334" cy="719583"/>
+          <a:off x="2681882" y="2288604"/>
+          <a:ext cx="976312" cy="610195"/>
         </a:xfrm>
         <a:prstGeom prst="roundRect">
           <a:avLst>
@@ -2888,12 +2973,12 @@
         <a:fontRef idx="minor"/>
       </dsp:style>
       <dsp:txBody>
-        <a:bodyPr spcFirstLastPara="0" vert="horz" wrap="square" lIns="28575" tIns="19050" rIns="28575" bIns="19050" numCol="1" spcCol="1270" anchor="ctr" anchorCtr="0">
+        <a:bodyPr spcFirstLastPara="0" vert="horz" wrap="square" lIns="19050" tIns="12700" rIns="19050" bIns="12700" numCol="1" spcCol="1270" anchor="ctr" anchorCtr="0">
           <a:noAutofit/>
         </a:bodyPr>
         <a:lstStyle/>
         <a:p>
-          <a:pPr marL="0" lvl="0" indent="0" algn="ctr" defTabSz="666750">
+          <a:pPr marL="0" lvl="0" indent="0" algn="ctr" defTabSz="444500">
             <a:lnSpc>
               <a:spcPct val="90000"/>
             </a:lnSpc>
@@ -2906,25 +2991,25 @@
             <a:buNone/>
           </a:pPr>
           <a:r>
-            <a:rPr lang="en-US" sz="1500" kern="1200" dirty="0"/>
-            <a:t>Designing with Invariants</a:t>
+            <a:rPr lang="en-US" sz="1000" kern="1200" dirty="0"/>
+            <a:t>Computing with Higher-Order Functions</a:t>
           </a:r>
         </a:p>
       </dsp:txBody>
       <dsp:txXfrm>
-        <a:off x="2637325" y="2719763"/>
-        <a:ext cx="1109182" cy="677431"/>
+        <a:off x="2699754" y="2306476"/>
+        <a:ext cx="940568" cy="574451"/>
       </dsp:txXfrm>
     </dsp:sp>
-    <dsp:sp modelId="{0ECF28DA-9925-4B5B-97B1-BDA459502114}">
+    <dsp:sp modelId="{16CFAB30-3E6A-44D7-A45D-E3066E142053}">
       <dsp:nvSpPr>
         <dsp:cNvPr id="0" name=""/>
         <dsp:cNvSpPr/>
       </dsp:nvSpPr>
       <dsp:spPr>
         <a:xfrm>
-          <a:off x="2472332" y="719832"/>
-          <a:ext cx="143916" cy="3238127"/>
+          <a:off x="2559843" y="610567"/>
+          <a:ext cx="122039" cy="2745878"/>
         </a:xfrm>
         <a:custGeom>
           <a:avLst/>
@@ -2938,10 +3023,10 @@
                 <a:pt x="0" y="0"/>
               </a:moveTo>
               <a:lnTo>
-                <a:pt x="0" y="3238127"/>
+                <a:pt x="0" y="2745878"/>
               </a:lnTo>
               <a:lnTo>
-                <a:pt x="143916" y="3238127"/>
+                <a:pt x="122039" y="2745878"/>
               </a:lnTo>
             </a:path>
           </a:pathLst>
@@ -2974,15 +3059,15 @@
         <a:fontRef idx="minor"/>
       </dsp:style>
     </dsp:sp>
-    <dsp:sp modelId="{5A2BB121-DDEE-46A8-AC09-18496F773E62}">
+    <dsp:sp modelId="{5F9726AA-E8AD-4C5C-A0CA-2350C4F8CAFA}">
       <dsp:nvSpPr>
         <dsp:cNvPr id="0" name=""/>
         <dsp:cNvSpPr/>
       </dsp:nvSpPr>
       <dsp:spPr>
         <a:xfrm>
-          <a:off x="2616249" y="3598167"/>
-          <a:ext cx="1151334" cy="719583"/>
+          <a:off x="2681882" y="3051348"/>
+          <a:ext cx="976312" cy="610195"/>
         </a:xfrm>
         <a:prstGeom prst="roundRect">
           <a:avLst>
@@ -3024,12 +3109,12 @@
         <a:fontRef idx="minor"/>
       </dsp:style>
       <dsp:txBody>
-        <a:bodyPr spcFirstLastPara="0" vert="horz" wrap="square" lIns="28575" tIns="19050" rIns="28575" bIns="19050" numCol="1" spcCol="1270" anchor="ctr" anchorCtr="0">
+        <a:bodyPr spcFirstLastPara="0" vert="horz" wrap="square" lIns="19050" tIns="12700" rIns="19050" bIns="12700" numCol="1" spcCol="1270" anchor="ctr" anchorCtr="0">
           <a:noAutofit/>
         </a:bodyPr>
         <a:lstStyle/>
         <a:p>
-          <a:pPr marL="0" lvl="0" indent="0" algn="ctr" defTabSz="666750">
+          <a:pPr marL="0" lvl="0" indent="0" algn="ctr" defTabSz="444500">
             <a:lnSpc>
               <a:spcPct val="90000"/>
             </a:lnSpc>
@@ -3042,14 +3127,150 @@
             <a:buNone/>
           </a:pPr>
           <a:r>
-            <a:rPr lang="en-US" sz="1500" kern="1200" dirty="0"/>
+            <a:rPr lang="en-US" sz="1000" kern="1200" dirty="0"/>
+            <a:t>Designing with Invariants</a:t>
+          </a:r>
+        </a:p>
+      </dsp:txBody>
+      <dsp:txXfrm>
+        <a:off x="2699754" y="3069220"/>
+        <a:ext cx="940568" cy="574451"/>
+      </dsp:txXfrm>
+    </dsp:sp>
+    <dsp:sp modelId="{0ECF28DA-9925-4B5B-97B1-BDA459502114}">
+      <dsp:nvSpPr>
+        <dsp:cNvPr id="0" name=""/>
+        <dsp:cNvSpPr/>
+      </dsp:nvSpPr>
+      <dsp:spPr>
+        <a:xfrm>
+          <a:off x="2559843" y="610567"/>
+          <a:ext cx="122039" cy="3556495"/>
+        </a:xfrm>
+        <a:custGeom>
+          <a:avLst/>
+          <a:gdLst/>
+          <a:ahLst/>
+          <a:cxnLst/>
+          <a:rect l="0" t="0" r="0" b="0"/>
+          <a:pathLst>
+            <a:path>
+              <a:moveTo>
+                <a:pt x="0" y="0"/>
+              </a:moveTo>
+              <a:lnTo>
+                <a:pt x="0" y="3556495"/>
+              </a:lnTo>
+              <a:lnTo>
+                <a:pt x="122039" y="3556495"/>
+              </a:lnTo>
+            </a:path>
+          </a:pathLst>
+        </a:custGeom>
+        <a:noFill/>
+        <a:ln w="25400" cap="flat" cmpd="sng" algn="ctr">
+          <a:solidFill>
+            <a:schemeClr val="accent1">
+              <a:shade val="60000"/>
+              <a:hueOff val="0"/>
+              <a:satOff val="0"/>
+              <a:lumOff val="0"/>
+              <a:alphaOff val="0"/>
+            </a:schemeClr>
+          </a:solidFill>
+          <a:prstDash val="solid"/>
+        </a:ln>
+        <a:effectLst/>
+      </dsp:spPr>
+      <dsp:style>
+        <a:lnRef idx="2">
+          <a:scrgbClr r="0" g="0" b="0"/>
+        </a:lnRef>
+        <a:fillRef idx="0">
+          <a:scrgbClr r="0" g="0" b="0"/>
+        </a:fillRef>
+        <a:effectRef idx="0">
+          <a:scrgbClr r="0" g="0" b="0"/>
+        </a:effectRef>
+        <a:fontRef idx="minor"/>
+      </dsp:style>
+    </dsp:sp>
+    <dsp:sp modelId="{5A2BB121-DDEE-46A8-AC09-18496F773E62}">
+      <dsp:nvSpPr>
+        <dsp:cNvPr id="0" name=""/>
+        <dsp:cNvSpPr/>
+      </dsp:nvSpPr>
+      <dsp:spPr>
+        <a:xfrm>
+          <a:off x="2681882" y="3814092"/>
+          <a:ext cx="976312" cy="705941"/>
+        </a:xfrm>
+        <a:prstGeom prst="roundRect">
+          <a:avLst>
+            <a:gd name="adj" fmla="val 10000"/>
+          </a:avLst>
+        </a:prstGeom>
+        <a:solidFill>
+          <a:schemeClr val="lt1">
+            <a:alpha val="90000"/>
+            <a:hueOff val="0"/>
+            <a:satOff val="0"/>
+            <a:lumOff val="0"/>
+            <a:alphaOff val="0"/>
+          </a:schemeClr>
+        </a:solidFill>
+        <a:ln w="25400" cap="flat" cmpd="sng" algn="ctr">
+          <a:solidFill>
+            <a:schemeClr val="accent1">
+              <a:hueOff val="0"/>
+              <a:satOff val="0"/>
+              <a:lumOff val="0"/>
+              <a:alphaOff val="0"/>
+            </a:schemeClr>
+          </a:solidFill>
+          <a:prstDash val="solid"/>
+        </a:ln>
+        <a:effectLst/>
+      </dsp:spPr>
+      <dsp:style>
+        <a:lnRef idx="2">
+          <a:scrgbClr r="0" g="0" b="0"/>
+        </a:lnRef>
+        <a:fillRef idx="1">
+          <a:scrgbClr r="0" g="0" b="0"/>
+        </a:fillRef>
+        <a:effectRef idx="0">
+          <a:scrgbClr r="0" g="0" b="0"/>
+        </a:effectRef>
+        <a:fontRef idx="minor"/>
+      </dsp:style>
+      <dsp:txBody>
+        <a:bodyPr spcFirstLastPara="0" vert="horz" wrap="square" lIns="19050" tIns="12700" rIns="19050" bIns="12700" numCol="1" spcCol="1270" anchor="ctr" anchorCtr="0">
+          <a:noAutofit/>
+        </a:bodyPr>
+        <a:lstStyle/>
+        <a:p>
+          <a:pPr marL="0" lvl="0" indent="0" algn="ctr" defTabSz="444500">
+            <a:lnSpc>
+              <a:spcPct val="90000"/>
+            </a:lnSpc>
+            <a:spcBef>
+              <a:spcPct val="0"/>
+            </a:spcBef>
+            <a:spcAft>
+              <a:spcPct val="35000"/>
+            </a:spcAft>
+            <a:buNone/>
+          </a:pPr>
+          <a:r>
+            <a:rPr lang="en-US" sz="1000" kern="1200" dirty="0"/>
             <a:t>Thinking about Efficiency</a:t>
           </a:r>
         </a:p>
       </dsp:txBody>
       <dsp:txXfrm>
-        <a:off x="2637325" y="3619243"/>
-        <a:ext cx="1109182" cy="677431"/>
+        <a:off x="2702558" y="3834768"/>
+        <a:ext cx="934960" cy="664589"/>
       </dsp:txXfrm>
     </dsp:sp>
     <dsp:sp modelId="{3DB7ADFA-DCAB-4034-9F43-B860EBE864E8}">
@@ -3059,8 +3280,8 @@
       </dsp:nvSpPr>
       <dsp:spPr>
         <a:xfrm>
-          <a:off x="4127375" y="248"/>
-          <a:ext cx="1439167" cy="719583"/>
+          <a:off x="3963292" y="372"/>
+          <a:ext cx="1220390" cy="610195"/>
         </a:xfrm>
         <a:prstGeom prst="roundRect">
           <a:avLst>
@@ -3103,12 +3324,12 @@
         </a:fontRef>
       </dsp:style>
       <dsp:txBody>
-        <a:bodyPr spcFirstLastPara="0" vert="horz" wrap="square" lIns="28575" tIns="19050" rIns="28575" bIns="19050" numCol="1" spcCol="1270" anchor="ctr" anchorCtr="0">
+        <a:bodyPr spcFirstLastPara="0" vert="horz" wrap="square" lIns="24765" tIns="16510" rIns="24765" bIns="16510" numCol="1" spcCol="1270" anchor="ctr" anchorCtr="0">
           <a:noAutofit/>
         </a:bodyPr>
         <a:lstStyle/>
         <a:p>
-          <a:pPr marL="0" lvl="0" indent="0" algn="ctr" defTabSz="666750">
+          <a:pPr marL="0" lvl="0" indent="0" algn="ctr" defTabSz="577850">
             <a:lnSpc>
               <a:spcPct val="90000"/>
             </a:lnSpc>
@@ -3121,14 +3342,14 @@
             <a:buNone/>
           </a:pPr>
           <a:r>
-            <a:rPr lang="en-US" sz="1500" kern="1200" dirty="0"/>
+            <a:rPr lang="en-US" sz="1300" kern="1200" dirty="0"/>
             <a:t>Object-Oriented Programming</a:t>
           </a:r>
         </a:p>
       </dsp:txBody>
       <dsp:txXfrm>
-        <a:off x="4148451" y="21324"/>
-        <a:ext cx="1397015" cy="677431"/>
+        <a:off x="3981164" y="18244"/>
+        <a:ext cx="1184646" cy="574451"/>
       </dsp:txXfrm>
     </dsp:sp>
     <dsp:sp modelId="{278D3975-9588-4A95-85BD-D062BB0AE1A4}">
@@ -3138,8 +3359,8 @@
       </dsp:nvSpPr>
       <dsp:spPr>
         <a:xfrm>
-          <a:off x="4271292" y="719832"/>
-          <a:ext cx="143916" cy="539687"/>
+          <a:off x="4085332" y="610567"/>
+          <a:ext cx="122039" cy="457646"/>
         </a:xfrm>
         <a:custGeom>
           <a:avLst/>
@@ -3153,10 +3374,10 @@
                 <a:pt x="0" y="0"/>
               </a:moveTo>
               <a:lnTo>
-                <a:pt x="0" y="539687"/>
+                <a:pt x="0" y="457646"/>
               </a:lnTo>
               <a:lnTo>
-                <a:pt x="143916" y="539687"/>
+                <a:pt x="122039" y="457646"/>
               </a:lnTo>
             </a:path>
           </a:pathLst>
@@ -3196,8 +3417,8 @@
       </dsp:nvSpPr>
       <dsp:spPr>
         <a:xfrm>
-          <a:off x="4415209" y="899728"/>
-          <a:ext cx="1151334" cy="719583"/>
+          <a:off x="4207371" y="763116"/>
+          <a:ext cx="976312" cy="610195"/>
         </a:xfrm>
         <a:prstGeom prst="roundRect">
           <a:avLst>
@@ -3239,12 +3460,12 @@
         <a:fontRef idx="minor"/>
       </dsp:style>
       <dsp:txBody>
-        <a:bodyPr spcFirstLastPara="0" vert="horz" wrap="square" lIns="28575" tIns="19050" rIns="28575" bIns="19050" numCol="1" spcCol="1270" anchor="ctr" anchorCtr="0">
+        <a:bodyPr spcFirstLastPara="0" vert="horz" wrap="square" lIns="19050" tIns="12700" rIns="19050" bIns="12700" numCol="1" spcCol="1270" anchor="ctr" anchorCtr="0">
           <a:noAutofit/>
         </a:bodyPr>
         <a:lstStyle/>
         <a:p>
-          <a:pPr marL="0" lvl="0" indent="0" algn="ctr" defTabSz="666750">
+          <a:pPr marL="0" lvl="0" indent="0" algn="ctr" defTabSz="444500">
             <a:lnSpc>
               <a:spcPct val="90000"/>
             </a:lnSpc>
@@ -3257,14 +3478,14 @@
             <a:buNone/>
           </a:pPr>
           <a:r>
-            <a:rPr lang="en-US" sz="1500" kern="1200" dirty="0"/>
+            <a:rPr lang="en-US" sz="1000" kern="1200" dirty="0"/>
             <a:t>Interfaces and Classes</a:t>
           </a:r>
         </a:p>
       </dsp:txBody>
       <dsp:txXfrm>
-        <a:off x="4436285" y="920804"/>
-        <a:ext cx="1109182" cy="677431"/>
+        <a:off x="4225243" y="780988"/>
+        <a:ext cx="940568" cy="574451"/>
       </dsp:txXfrm>
     </dsp:sp>
     <dsp:sp modelId="{FF100697-267A-4BC5-8DA9-B1F7321DFE84}">
@@ -3274,8 +3495,8 @@
       </dsp:nvSpPr>
       <dsp:spPr>
         <a:xfrm>
-          <a:off x="4271292" y="719832"/>
-          <a:ext cx="143916" cy="1439167"/>
+          <a:off x="4085332" y="610567"/>
+          <a:ext cx="122039" cy="1220390"/>
         </a:xfrm>
         <a:custGeom>
           <a:avLst/>
@@ -3289,10 +3510,10 @@
                 <a:pt x="0" y="0"/>
               </a:moveTo>
               <a:lnTo>
-                <a:pt x="0" y="1439167"/>
+                <a:pt x="0" y="1220390"/>
               </a:lnTo>
               <a:lnTo>
-                <a:pt x="143916" y="1439167"/>
+                <a:pt x="122039" y="1220390"/>
               </a:lnTo>
             </a:path>
           </a:pathLst>
@@ -3332,8 +3553,8 @@
       </dsp:nvSpPr>
       <dsp:spPr>
         <a:xfrm>
-          <a:off x="4415209" y="1799208"/>
-          <a:ext cx="1151334" cy="719583"/>
+          <a:off x="4207371" y="1525860"/>
+          <a:ext cx="976312" cy="610195"/>
         </a:xfrm>
         <a:prstGeom prst="roundRect">
           <a:avLst>
@@ -3375,12 +3596,12 @@
         <a:fontRef idx="minor"/>
       </dsp:style>
       <dsp:txBody>
-        <a:bodyPr spcFirstLastPara="0" vert="horz" wrap="square" lIns="28575" tIns="19050" rIns="28575" bIns="19050" numCol="1" spcCol="1270" anchor="ctr" anchorCtr="0">
+        <a:bodyPr spcFirstLastPara="0" vert="horz" wrap="square" lIns="19050" tIns="12700" rIns="19050" bIns="12700" numCol="1" spcCol="1270" anchor="ctr" anchorCtr="0">
           <a:noAutofit/>
         </a:bodyPr>
         <a:lstStyle/>
         <a:p>
-          <a:pPr marL="0" lvl="0" indent="0" algn="ctr" defTabSz="666750">
+          <a:pPr marL="0" lvl="0" indent="0" algn="ctr" defTabSz="444500">
             <a:lnSpc>
               <a:spcPct val="90000"/>
             </a:lnSpc>
@@ -3393,14 +3614,14 @@
             <a:buNone/>
           </a:pPr>
           <a:r>
-            <a:rPr lang="en-US" sz="1500" kern="1200" dirty="0"/>
+            <a:rPr lang="en-US" sz="1000" kern="1200" dirty="0"/>
             <a:t>Inheritance</a:t>
           </a:r>
         </a:p>
       </dsp:txBody>
       <dsp:txXfrm>
-        <a:off x="4436285" y="1820284"/>
-        <a:ext cx="1109182" cy="677431"/>
+        <a:off x="4225243" y="1543732"/>
+        <a:ext cx="940568" cy="574451"/>
       </dsp:txXfrm>
     </dsp:sp>
     <dsp:sp modelId="{6B27DFF3-3021-4E99-BF73-829A6255425D}">
@@ -3410,8 +3631,8 @@
       </dsp:nvSpPr>
       <dsp:spPr>
         <a:xfrm>
-          <a:off x="4271292" y="719832"/>
-          <a:ext cx="143916" cy="2338647"/>
+          <a:off x="4085332" y="610567"/>
+          <a:ext cx="122039" cy="1983134"/>
         </a:xfrm>
         <a:custGeom>
           <a:avLst/>
@@ -3425,10 +3646,10 @@
                 <a:pt x="0" y="0"/>
               </a:moveTo>
               <a:lnTo>
-                <a:pt x="0" y="2338647"/>
+                <a:pt x="0" y="1983134"/>
               </a:lnTo>
               <a:lnTo>
-                <a:pt x="143916" y="2338647"/>
+                <a:pt x="122039" y="1983134"/>
               </a:lnTo>
             </a:path>
           </a:pathLst>
@@ -3468,8 +3689,8 @@
       </dsp:nvSpPr>
       <dsp:spPr>
         <a:xfrm>
-          <a:off x="4415209" y="2698687"/>
-          <a:ext cx="1151334" cy="719583"/>
+          <a:off x="4207371" y="2288604"/>
+          <a:ext cx="976312" cy="610195"/>
         </a:xfrm>
         <a:prstGeom prst="roundRect">
           <a:avLst>
@@ -3511,12 +3732,12 @@
         <a:fontRef idx="minor"/>
       </dsp:style>
       <dsp:txBody>
-        <a:bodyPr spcFirstLastPara="0" vert="horz" wrap="square" lIns="28575" tIns="19050" rIns="28575" bIns="19050" numCol="1" spcCol="1270" anchor="ctr" anchorCtr="0">
+        <a:bodyPr spcFirstLastPara="0" vert="horz" wrap="square" lIns="19050" tIns="12700" rIns="19050" bIns="12700" numCol="1" spcCol="1270" anchor="ctr" anchorCtr="0">
           <a:noAutofit/>
         </a:bodyPr>
         <a:lstStyle/>
         <a:p>
-          <a:pPr marL="0" lvl="0" indent="0" algn="ctr" defTabSz="666750">
+          <a:pPr marL="0" lvl="0" indent="0" algn="ctr" defTabSz="444500">
             <a:lnSpc>
               <a:spcPct val="90000"/>
             </a:lnSpc>
@@ -3529,14 +3750,14 @@
             <a:buNone/>
           </a:pPr>
           <a:r>
-            <a:rPr lang="en-US" sz="1500" kern="1200" dirty="0"/>
+            <a:rPr lang="en-US" sz="1000" kern="1200" dirty="0"/>
             <a:t>Objects with Mutable State</a:t>
           </a:r>
         </a:p>
       </dsp:txBody>
       <dsp:txXfrm>
-        <a:off x="4436285" y="2719763"/>
-        <a:ext cx="1109182" cy="677431"/>
+        <a:off x="4225243" y="2306476"/>
+        <a:ext cx="940568" cy="574451"/>
       </dsp:txXfrm>
     </dsp:sp>
     <dsp:sp modelId="{E8A2D34D-9B35-4804-BD08-DC4453907292}">
@@ -3546,8 +3767,8 @@
       </dsp:nvSpPr>
       <dsp:spPr>
         <a:xfrm>
-          <a:off x="4271292" y="719832"/>
-          <a:ext cx="143916" cy="3238127"/>
+          <a:off x="4085332" y="610567"/>
+          <a:ext cx="122039" cy="2745878"/>
         </a:xfrm>
         <a:custGeom>
           <a:avLst/>
@@ -3561,10 +3782,10 @@
                 <a:pt x="0" y="0"/>
               </a:moveTo>
               <a:lnTo>
-                <a:pt x="0" y="3238127"/>
+                <a:pt x="0" y="2745878"/>
               </a:lnTo>
               <a:lnTo>
-                <a:pt x="143916" y="3238127"/>
+                <a:pt x="122039" y="2745878"/>
               </a:lnTo>
             </a:path>
           </a:pathLst>
@@ -3604,8 +3825,8 @@
       </dsp:nvSpPr>
       <dsp:spPr>
         <a:xfrm>
-          <a:off x="4415209" y="3598167"/>
-          <a:ext cx="1151334" cy="719583"/>
+          <a:off x="4207371" y="3051348"/>
+          <a:ext cx="976312" cy="610195"/>
         </a:xfrm>
         <a:prstGeom prst="roundRect">
           <a:avLst>
@@ -3647,12 +3868,12 @@
         <a:fontRef idx="minor"/>
       </dsp:style>
       <dsp:txBody>
-        <a:bodyPr spcFirstLastPara="0" vert="horz" wrap="square" lIns="28575" tIns="19050" rIns="28575" bIns="19050" numCol="1" spcCol="1270" anchor="ctr" anchorCtr="0">
+        <a:bodyPr spcFirstLastPara="0" vert="horz" wrap="square" lIns="19050" tIns="12700" rIns="19050" bIns="12700" numCol="1" spcCol="1270" anchor="ctr" anchorCtr="0">
           <a:noAutofit/>
         </a:bodyPr>
         <a:lstStyle/>
         <a:p>
-          <a:pPr marL="0" lvl="0" indent="0" algn="ctr" defTabSz="666750">
+          <a:pPr marL="0" lvl="0" indent="0" algn="ctr" defTabSz="444500">
             <a:lnSpc>
               <a:spcPct val="90000"/>
             </a:lnSpc>
@@ -3665,14 +3886,14 @@
             <a:buNone/>
           </a:pPr>
           <a:r>
-            <a:rPr lang="en-US" sz="1500" kern="1200" dirty="0"/>
+            <a:rPr lang="en-US" sz="1000" kern="1200" dirty="0"/>
             <a:t>Efficiency, Part 2</a:t>
           </a:r>
         </a:p>
       </dsp:txBody>
       <dsp:txXfrm>
-        <a:off x="4436285" y="3619243"/>
-        <a:ext cx="1109182" cy="677431"/>
+        <a:off x="4225243" y="3069220"/>
+        <a:ext cx="940568" cy="574451"/>
       </dsp:txXfrm>
     </dsp:sp>
   </dsp:spTree>
@@ -5088,7 +5309,7 @@
             <a:fld id="{CF8F25F6-E1EF-4065-8525-42EDEBD9BD22}" type="datetimeFigureOut">
               <a:rPr lang="en-US" smtClean="0"/>
               <a:pPr/>
-              <a:t>8/11/2017</a:t>
+              <a:t>8/28/2017</a:t>
             </a:fld>
             <a:endParaRPr lang="en-US"/>
           </a:p>
@@ -6241,7 +6462,7 @@
           <a:p>
             <a:fld id="{2F1F79F5-7BEC-496A-AFC7-876E38F64D71}" type="datetime1">
               <a:rPr lang="en-US" smtClean="0"/>
-              <a:t>8/11/2017</a:t>
+              <a:t>8/28/2017</a:t>
             </a:fld>
             <a:endParaRPr lang="en-US"/>
           </a:p>
@@ -6336,7 +6557,7 @@
           <a:p>
             <a:fld id="{0A05703A-7669-4FEA-9056-25299B4D29D4}" type="datetime1">
               <a:rPr lang="en-US" smtClean="0"/>
-              <a:t>8/11/2017</a:t>
+              <a:t>8/28/2017</a:t>
             </a:fld>
             <a:endParaRPr lang="en-US"/>
           </a:p>
@@ -6611,7 +6832,7 @@
           <a:p>
             <a:fld id="{6E5077B5-BB57-49DB-88CA-226A139E5C01}" type="datetime1">
               <a:rPr lang="en-US" smtClean="0"/>
-              <a:t>8/11/2017</a:t>
+              <a:t>8/28/2017</a:t>
             </a:fld>
             <a:endParaRPr lang="en-US"/>
           </a:p>
@@ -6863,7 +7084,7 @@
           <a:p>
             <a:fld id="{C48D9447-CBD6-49A1-89FD-8512A8CF8999}" type="datetime1">
               <a:rPr lang="en-US" smtClean="0"/>
-              <a:t>8/11/2017</a:t>
+              <a:t>8/28/2017</a:t>
             </a:fld>
             <a:endParaRPr lang="en-US"/>
           </a:p>
@@ -7031,7 +7252,7 @@
           <a:p>
             <a:fld id="{A3639A2A-823D-48B7-9ACE-7FAF42870BA9}" type="datetime1">
               <a:rPr lang="en-US" smtClean="0"/>
-              <a:t>8/11/2017</a:t>
+              <a:t>8/28/2017</a:t>
             </a:fld>
             <a:endParaRPr lang="en-US"/>
           </a:p>
@@ -7209,7 +7430,7 @@
           <a:p>
             <a:fld id="{ED1B6996-82E9-463C-972C-7B56056E426C}" type="datetime1">
               <a:rPr lang="en-US" smtClean="0"/>
-              <a:t>8/11/2017</a:t>
+              <a:t>8/28/2017</a:t>
             </a:fld>
             <a:endParaRPr lang="en-US"/>
           </a:p>
@@ -7383,7 +7604,7 @@
           <a:p>
             <a:fld id="{E22ED4DA-448D-4BB1-B935-CC112220207B}" type="datetime1">
               <a:rPr lang="en-US" smtClean="0"/>
-              <a:t>8/11/2017</a:t>
+              <a:t>8/28/2017</a:t>
             </a:fld>
             <a:endParaRPr lang="en-US"/>
           </a:p>
@@ -7556,7 +7777,7 @@
           <a:p>
             <a:fld id="{E22ED4DA-448D-4BB1-B935-CC112220207B}" type="datetime1">
               <a:rPr lang="en-US" smtClean="0"/>
-              <a:t>8/11/2017</a:t>
+              <a:t>8/28/2017</a:t>
             </a:fld>
             <a:endParaRPr lang="en-US"/>
           </a:p>
@@ -7816,7 +8037,7 @@
           <a:p>
             <a:fld id="{FF5D65A6-AB94-4435-B0B7-3743215FA46C}" type="datetime1">
               <a:rPr lang="en-US" smtClean="0"/>
-              <a:t>8/11/2017</a:t>
+              <a:t>8/28/2017</a:t>
             </a:fld>
             <a:endParaRPr lang="en-US"/>
           </a:p>
@@ -7992,7 +8213,7 @@
           <a:p>
             <a:fld id="{FF5D65A6-AB94-4435-B0B7-3743215FA46C}" type="datetime1">
               <a:rPr lang="en-US" smtClean="0"/>
-              <a:t>8/11/2017</a:t>
+              <a:t>8/28/2017</a:t>
             </a:fld>
             <a:endParaRPr lang="en-US"/>
           </a:p>
@@ -8286,7 +8507,7 @@
           <a:p>
             <a:fld id="{7C193DC4-6EF0-48C9-B29C-616106A645E1}" type="datetime1">
               <a:rPr lang="en-US" smtClean="0"/>
-              <a:t>8/11/2017</a:t>
+              <a:t>8/28/2017</a:t>
             </a:fld>
             <a:endParaRPr lang="en-US"/>
           </a:p>
@@ -8571,7 +8792,7 @@
           <a:p>
             <a:fld id="{5D1846AD-9252-4647-9435-4C2AC365653A}" type="datetime1">
               <a:rPr lang="en-US" smtClean="0"/>
-              <a:t>8/11/2017</a:t>
+              <a:t>8/28/2017</a:t>
             </a:fld>
             <a:endParaRPr lang="en-US"/>
           </a:p>
@@ -8990,7 +9211,7 @@
           <a:p>
             <a:fld id="{CE56DC10-3561-4063-A6AF-C1CC7A41040A}" type="datetime1">
               <a:rPr lang="en-US" smtClean="0"/>
-              <a:t>8/11/2017</a:t>
+              <a:t>8/28/2017</a:t>
             </a:fld>
             <a:endParaRPr lang="en-US"/>
           </a:p>
@@ -9107,7 +9328,7 @@
           <a:p>
             <a:fld id="{2F7B77F5-1464-4F6B-92A8-64FC8A508293}" type="datetime1">
               <a:rPr lang="en-US" smtClean="0"/>
-              <a:t>8/11/2017</a:t>
+              <a:t>8/28/2017</a:t>
             </a:fld>
             <a:endParaRPr lang="en-US"/>
           </a:p>
@@ -9330,7 +9551,7 @@
           <a:p>
             <a:fld id="{02B3F677-983B-48DB-ADFD-63FE6CBC7FB2}" type="datetime1">
               <a:rPr lang="en-US" smtClean="0"/>
-              <a:t>8/11/2017</a:t>
+              <a:t>8/28/2017</a:t>
             </a:fld>
             <a:endParaRPr lang="en-US"/>
           </a:p>
@@ -15019,19 +15240,19 @@
       </p:sp>
       <p:graphicFrame>
         <p:nvGraphicFramePr>
-          <p:cNvPr id="4" name="Diagram 3"/>
+          <p:cNvPr id="6" name="Diagram 5"/>
           <p:cNvGraphicFramePr/>
           <p:nvPr>
             <p:extLst>
               <p:ext uri="{D42A27DB-BD31-4B8C-83A1-F6EECF244321}">
-                <p14:modId xmlns:p14="http://schemas.microsoft.com/office/powerpoint/2010/main" val="687972332"/>
+                <p14:modId xmlns:p14="http://schemas.microsoft.com/office/powerpoint/2010/main" val="1117120992"/>
               </p:ext>
             </p:extLst>
           </p:nvPr>
         </p:nvGraphicFramePr>
         <p:xfrm>
           <a:off x="1524000" y="1727994"/>
-          <a:ext cx="6096000" cy="4318000"/>
+          <a:ext cx="6096000" cy="4520406"/>
         </p:xfrm>
         <a:graphic>
           <a:graphicData uri="http://schemas.openxmlformats.org/drawingml/2006/diagram">
@@ -15042,7 +15263,7 @@
     </p:spTree>
     <p:extLst>
       <p:ext uri="{BB962C8B-B14F-4D97-AF65-F5344CB8AC3E}">
-        <p14:creationId xmlns:p14="http://schemas.microsoft.com/office/powerpoint/2010/main" val="1773485918"/>
+        <p14:creationId xmlns:p14="http://schemas.microsoft.com/office/powerpoint/2010/main" val="1750567598"/>
       </p:ext>
     </p:extLst>
   </p:cSld>
